--- a/2.HoTuanPhuoc_ThS.Võ Quốc Lương/2. Hồ Tuấn Phước_ThS.Võ Quốc Lương.pptx
+++ b/2.HoTuanPhuoc_ThS.Võ Quốc Lương/2. Hồ Tuấn Phước_ThS.Võ Quốc Lương.pptx
@@ -9,7 +9,7 @@
     <p:notesMasterId r:id="rId7"/>
   </p:notesMasterIdLst>
   <p:handoutMasterIdLst>
-    <p:handoutMasterId r:id="rId13"/>
+    <p:handoutMasterId r:id="rId16"/>
   </p:handoutMasterIdLst>
   <p:sldIdLst>
     <p:sldId id="303" r:id="rId4"/>
@@ -17,9 +17,12 @@
     <p:sldId id="258" r:id="rId6"/>
     <p:sldId id="331" r:id="rId8"/>
     <p:sldId id="333" r:id="rId9"/>
-    <p:sldId id="334" r:id="rId10"/>
-    <p:sldId id="335" r:id="rId11"/>
-    <p:sldId id="269" r:id="rId12"/>
+    <p:sldId id="337" r:id="rId10"/>
+    <p:sldId id="338" r:id="rId11"/>
+    <p:sldId id="334" r:id="rId12"/>
+    <p:sldId id="339" r:id="rId13"/>
+    <p:sldId id="335" r:id="rId14"/>
+    <p:sldId id="269" r:id="rId15"/>
   </p:sldIdLst>
   <p:sldSz cx="12192000" cy="6858000"/>
   <p:notesSz cx="6858000" cy="9144000"/>
@@ -1457,6 +1460,204 @@
 </file>
 
 <file path=ppt/notesSlides/notesSlide3.xml><?xml version="1.0" encoding="utf-8"?>
+<p:notes xmlns:a="http://schemas.openxmlformats.org/drawingml/2006/main" xmlns:r="http://schemas.openxmlformats.org/officeDocument/2006/relationships" xmlns:p="http://schemas.openxmlformats.org/presentationml/2006/main">
+  <p:cSld>
+    <p:spTree>
+      <p:nvGrpSpPr>
+        <p:cNvPr id="1" name=""/>
+        <p:cNvGrpSpPr/>
+        <p:nvPr/>
+      </p:nvGrpSpPr>
+      <p:grpSpPr/>
+      <p:sp>
+        <p:nvSpPr>
+          <p:cNvPr id="2" name="Slide Image Placeholder 1"/>
+          <p:cNvSpPr>
+            <a:spLocks noGrp="1"/>
+          </p:cNvSpPr>
+          <p:nvPr>
+            <p:ph type="sldImg" idx="2"/>
+          </p:nvPr>
+        </p:nvSpPr>
+        <p:spPr/>
+      </p:sp>
+      <p:sp>
+        <p:nvSpPr>
+          <p:cNvPr id="3" name="Text Placeholder 2"/>
+          <p:cNvSpPr>
+            <a:spLocks noGrp="1"/>
+          </p:cNvSpPr>
+          <p:nvPr>
+            <p:ph type="body" idx="3"/>
+          </p:nvPr>
+        </p:nvSpPr>
+        <p:spPr/>
+        <p:txBody>
+          <a:bodyPr/>
+          <a:p>
+            <a:pPr algn="just">
+              <a:lnSpc>
+                <a:spcPct val="115000"/>
+              </a:lnSpc>
+            </a:pPr>
+            <a:r>
+              <a:rPr lang="en-US" b="1">
+                <a:latin typeface="Times New Roman" panose="02020603050405020304" pitchFamily="18" charset="0"/>
+                <a:sym typeface="+mn-ea"/>
+              </a:rPr>
+              <a:t>Sản phẩm: </a:t>
+            </a:r>
+            <a:r>
+              <a:rPr lang="en-US">
+                <a:latin typeface="Times New Roman" panose="02020603050405020304" pitchFamily="18" charset="0"/>
+                <a:sym typeface="+mn-ea"/>
+              </a:rPr>
+              <a:t>Hệ thống đáp ứng mục tiêu đã đặt ra, bao gồm các chức năng:</a:t>
+            </a:r>
+            <a:endParaRPr lang="en-US">
+              <a:latin typeface="Times New Roman" panose="02020603050405020304" pitchFamily="18" charset="0"/>
+            </a:endParaRPr>
+          </a:p>
+          <a:p>
+            <a:pPr marL="342900" lvl="0" indent="-342900" algn="just">
+              <a:lnSpc>
+                <a:spcPct val="115000"/>
+              </a:lnSpc>
+              <a:buFont typeface="Symbol" panose="05050102010706020507" pitchFamily="18" charset="2"/>
+              <a:buChar char="-"/>
+            </a:pPr>
+            <a:r>
+              <a:rPr lang="en-US" i="1">
+                <a:latin typeface="Times New Roman" panose="02020603050405020304" pitchFamily="18" charset="0"/>
+                <a:sym typeface="+mn-ea"/>
+              </a:rPr>
+              <a:t>Về phía học sinh: </a:t>
+            </a:r>
+            <a:r>
+              <a:rPr lang="en-US">
+                <a:latin typeface="Times New Roman" panose="02020603050405020304" pitchFamily="18" charset="0"/>
+                <a:sym typeface="+mn-ea"/>
+              </a:rPr>
+              <a:t>tham gia kỳ thi, ôn tập, đánh giá kỳ thi, quản lý thông tin cá nhân.</a:t>
+            </a:r>
+            <a:endParaRPr lang="en-US">
+              <a:latin typeface="Times New Roman" panose="02020603050405020304" pitchFamily="18" charset="0"/>
+            </a:endParaRPr>
+          </a:p>
+          <a:p>
+            <a:pPr marL="342900" lvl="0" indent="-342900" algn="just">
+              <a:lnSpc>
+                <a:spcPct val="115000"/>
+              </a:lnSpc>
+              <a:buFont typeface="Symbol" panose="05050102010706020507" pitchFamily="18" charset="2"/>
+              <a:buChar char="-"/>
+            </a:pPr>
+            <a:r>
+              <a:rPr lang="en-US" i="1">
+                <a:latin typeface="Times New Roman" panose="02020603050405020304" pitchFamily="18" charset="0"/>
+                <a:sym typeface="+mn-ea"/>
+              </a:rPr>
+              <a:t>Về phía giáo viên: </a:t>
+            </a:r>
+            <a:r>
+              <a:rPr lang="en-US">
+                <a:latin typeface="Times New Roman" panose="02020603050405020304" pitchFamily="18" charset="0"/>
+                <a:sym typeface="+mn-ea"/>
+              </a:rPr>
+              <a:t>tạo đề thi, quản lý câu hỏi, quản lý lớp học,...</a:t>
+            </a:r>
+            <a:endParaRPr lang="en-US">
+              <a:latin typeface="Times New Roman" panose="02020603050405020304" pitchFamily="18" charset="0"/>
+            </a:endParaRPr>
+          </a:p>
+          <a:p>
+            <a:pPr marL="342900" lvl="0" indent="-342900" algn="just">
+              <a:lnSpc>
+                <a:spcPct val="115000"/>
+              </a:lnSpc>
+              <a:buFont typeface="Symbol" panose="05050102010706020507" pitchFamily="18" charset="2"/>
+              <a:buChar char="-"/>
+            </a:pPr>
+            <a:r>
+              <a:rPr lang="en-US" i="1">
+                <a:latin typeface="Times New Roman" panose="02020603050405020304" pitchFamily="18" charset="0"/>
+                <a:sym typeface="+mn-ea"/>
+              </a:rPr>
+              <a:t>Về phía người quản lý: </a:t>
+            </a:r>
+            <a:r>
+              <a:rPr lang="en-US">
+                <a:latin typeface="Times New Roman" panose="02020603050405020304" pitchFamily="18" charset="0"/>
+                <a:sym typeface="+mn-ea"/>
+              </a:rPr>
+              <a:t>quản lý tài khoản, quản lý dạng câu hỏi</a:t>
+            </a:r>
+            <a:endParaRPr lang="en-US">
+              <a:latin typeface="Times New Roman" panose="02020603050405020304" pitchFamily="18" charset="0"/>
+            </a:endParaRPr>
+          </a:p>
+          <a:p>
+            <a:pPr algn="just">
+              <a:lnSpc>
+                <a:spcPct val="115000"/>
+              </a:lnSpc>
+            </a:pPr>
+            <a:r>
+              <a:rPr lang="en-US" b="1">
+                <a:latin typeface="Times New Roman" panose="02020603050405020304" pitchFamily="18" charset="0"/>
+                <a:sym typeface="+mn-ea"/>
+              </a:rPr>
+              <a:t>Khả năng ứng dụng: </a:t>
+            </a:r>
+            <a:r>
+              <a:rPr lang="en-US">
+                <a:latin typeface="Times New Roman" panose="02020603050405020304" pitchFamily="18" charset="0"/>
+                <a:sym typeface="+mn-ea"/>
+              </a:rPr>
+              <a:t>Ứng dụng trong việc học tập, rèn luyện tiếng Anh cho học sinh Trung học phổ thông.</a:t>
+            </a:r>
+            <a:endParaRPr lang="en-US">
+              <a:latin typeface="Times New Roman" panose="02020603050405020304" pitchFamily="18" charset="0"/>
+            </a:endParaRPr>
+          </a:p>
+          <a:p>
+            <a:pPr algn="just">
+              <a:lnSpc>
+                <a:spcPct val="115000"/>
+              </a:lnSpc>
+            </a:pPr>
+            <a:r>
+              <a:rPr lang="en-US" b="1">
+                <a:latin typeface="Times New Roman" panose="02020603050405020304" pitchFamily="18" charset="0"/>
+                <a:sym typeface="+mn-ea"/>
+              </a:rPr>
+              <a:t>Khả năng mở rộng: </a:t>
+            </a:r>
+            <a:r>
+              <a:rPr lang="en-US">
+                <a:latin typeface="Times New Roman" panose="02020603050405020304" pitchFamily="18" charset="0"/>
+                <a:sym typeface="+mn-ea"/>
+              </a:rPr>
+              <a:t>Hệ thống có thể được mở rộng cho các đối tượng khác có mục đích tương tự.</a:t>
+            </a:r>
+            <a:endParaRPr lang="en-US">
+              <a:latin typeface="Times New Roman" panose="02020603050405020304" pitchFamily="18" charset="0"/>
+            </a:endParaRPr>
+          </a:p>
+          <a:p>
+            <a:endParaRPr lang="en-US"/>
+          </a:p>
+        </p:txBody>
+      </p:sp>
+    </p:spTree>
+  </p:cSld>
+  <p:clrMapOvr>
+    <a:masterClrMapping/>
+  </p:clrMapOvr>
+</p:notes>
+</file>
+
+<file path=ppt/notesSlides/notesSlide4.xml><?xml version="1.0" encoding="utf-8"?>
 <p:notes xmlns:a="http://schemas.openxmlformats.org/drawingml/2006/main" xmlns:r="http://schemas.openxmlformats.org/officeDocument/2006/relationships" xmlns:p="http://schemas.openxmlformats.org/presentationml/2006/main">
   <p:cSld>
     <p:spTree>
@@ -7044,6 +7245,412 @@
   <p:clrMapOvr>
     <a:masterClrMapping/>
   </p:clrMapOvr>
+</p:sld>
+</file>
+
+<file path=ppt/slides/slide10.xml><?xml version="1.0" encoding="utf-8"?>
+<p:sld xmlns:a="http://schemas.openxmlformats.org/drawingml/2006/main" xmlns:r="http://schemas.openxmlformats.org/officeDocument/2006/relationships" xmlns:p="http://schemas.openxmlformats.org/presentationml/2006/main">
+  <p:cSld>
+    <p:spTree>
+      <p:nvGrpSpPr>
+        <p:cNvPr id="1" name=""/>
+        <p:cNvGrpSpPr/>
+        <p:nvPr/>
+      </p:nvGrpSpPr>
+      <p:grpSpPr>
+        <a:xfrm>
+          <a:off x="0" y="0"/>
+          <a:ext cx="0" cy="0"/>
+          <a:chOff x="0" y="0"/>
+          <a:chExt cx="0" cy="0"/>
+        </a:xfrm>
+      </p:grpSpPr>
+      <p:sp>
+        <p:nvSpPr>
+          <p:cNvPr id="5" name="Rectangle 4"/>
+          <p:cNvSpPr/>
+          <p:nvPr/>
+        </p:nvSpPr>
+        <p:spPr>
+          <a:xfrm>
+            <a:off x="-1102404" y="0"/>
+            <a:ext cx="8251473" cy="6858000"/>
+          </a:xfrm>
+          <a:prstGeom prst="rect">
+            <a:avLst/>
+          </a:prstGeom>
+          <a:solidFill>
+            <a:schemeClr val="bg2"/>
+          </a:solidFill>
+          <a:ln>
+            <a:noFill/>
+          </a:ln>
+        </p:spPr>
+        <p:style>
+          <a:lnRef idx="2">
+            <a:schemeClr val="accent1">
+              <a:shade val="50000"/>
+            </a:schemeClr>
+          </a:lnRef>
+          <a:fillRef idx="1">
+            <a:schemeClr val="accent1"/>
+          </a:fillRef>
+          <a:effectRef idx="0">
+            <a:schemeClr val="accent1"/>
+          </a:effectRef>
+          <a:fontRef idx="minor">
+            <a:schemeClr val="lt1"/>
+          </a:fontRef>
+        </p:style>
+        <p:txBody>
+          <a:bodyPr rtlCol="0" anchor="ctr"/>
+          <a:lstStyle/>
+          <a:p>
+            <a:pPr algn="ctr"/>
+            <a:endParaRPr lang="en-ID"/>
+          </a:p>
+        </p:txBody>
+      </p:sp>
+      <p:sp>
+        <p:nvSpPr>
+          <p:cNvPr id="20" name="TextBox 19"/>
+          <p:cNvSpPr txBox="1"/>
+          <p:nvPr/>
+        </p:nvSpPr>
+        <p:spPr>
+          <a:xfrm>
+            <a:off x="1554480" y="2115185"/>
+            <a:ext cx="7542530" cy="2627630"/>
+          </a:xfrm>
+          <a:prstGeom prst="rect">
+            <a:avLst/>
+          </a:prstGeom>
+          <a:noFill/>
+        </p:spPr>
+        <p:txBody>
+          <a:bodyPr wrap="none" rtlCol="0">
+            <a:noAutofit/>
+          </a:bodyPr>
+          <a:lstStyle/>
+          <a:p>
+            <a:r>
+              <a:rPr lang="en-US" sz="8000" b="1" i="1" spc="100">
+                <a:solidFill>
+                  <a:srgbClr val="FF0000"/>
+                </a:solidFill>
+                <a:ea typeface="Open Sans ExtraBold" panose="020B0906030804020204" pitchFamily="34" charset="0"/>
+                <a:cs typeface="Arial" panose="020B0604020202020204" pitchFamily="34" charset="0"/>
+              </a:rPr>
+              <a:t>5</a:t>
+            </a:r>
+            <a:r>
+              <a:rPr lang="vi-VN" sz="8000" b="1" i="1" spc="100">
+                <a:solidFill>
+                  <a:srgbClr val="FF0000"/>
+                </a:solidFill>
+                <a:ea typeface="Open Sans ExtraBold" panose="020B0906030804020204" pitchFamily="34" charset="0"/>
+                <a:cs typeface="Arial" panose="020B0604020202020204" pitchFamily="34" charset="0"/>
+              </a:rPr>
+              <a:t>.</a:t>
+            </a:r>
+            <a:r>
+              <a:rPr lang="en-US" sz="8000" b="1" i="1" spc="100">
+                <a:solidFill>
+                  <a:srgbClr val="FF0000"/>
+                </a:solidFill>
+                <a:latin typeface="Times New Roman" panose="02020603050405020304" pitchFamily="18" charset="0"/>
+                <a:ea typeface="Open Sans ExtraBold" panose="020B0906030804020204" pitchFamily="34" charset="0"/>
+                <a:cs typeface="Arial" panose="020B0604020202020204" pitchFamily="34" charset="0"/>
+              </a:rPr>
+              <a:t> Demo sản phẩm</a:t>
+            </a:r>
+            <a:endParaRPr lang="en-US" sz="8000" b="1" i="1" spc="100">
+              <a:solidFill>
+                <a:srgbClr val="FF0000"/>
+              </a:solidFill>
+              <a:latin typeface="Times New Roman" panose="02020603050405020304" pitchFamily="18" charset="0"/>
+              <a:ea typeface="Open Sans ExtraBold" panose="020B0906030804020204" pitchFamily="34" charset="0"/>
+              <a:cs typeface="Arial" panose="020B0604020202020204" pitchFamily="34" charset="0"/>
+            </a:endParaRPr>
+          </a:p>
+        </p:txBody>
+      </p:sp>
+    </p:spTree>
+  </p:cSld>
+  <p:clrMapOvr>
+    <a:masterClrMapping/>
+  </p:clrMapOvr>
+</p:sld>
+</file>
+
+<file path=ppt/slides/slide11.xml><?xml version="1.0" encoding="utf-8"?>
+<p:sld xmlns:a="http://schemas.openxmlformats.org/drawingml/2006/main" xmlns:r="http://schemas.openxmlformats.org/officeDocument/2006/relationships" xmlns:p="http://schemas.openxmlformats.org/presentationml/2006/main">
+  <p:cSld>
+    <p:spTree>
+      <p:nvGrpSpPr>
+        <p:cNvPr id="1" name=""/>
+        <p:cNvGrpSpPr/>
+        <p:nvPr/>
+      </p:nvGrpSpPr>
+      <p:grpSpPr>
+        <a:xfrm>
+          <a:off x="0" y="0"/>
+          <a:ext cx="0" cy="0"/>
+          <a:chOff x="0" y="0"/>
+          <a:chExt cx="0" cy="0"/>
+        </a:xfrm>
+      </p:grpSpPr>
+      <p:sp>
+        <p:nvSpPr>
+          <p:cNvPr id="3" name="Rectangle 2"/>
+          <p:cNvSpPr/>
+          <p:nvPr/>
+        </p:nvSpPr>
+        <p:spPr>
+          <a:xfrm>
+            <a:off x="0" y="0"/>
+            <a:ext cx="3102015" cy="6858000"/>
+          </a:xfrm>
+          <a:prstGeom prst="rect">
+            <a:avLst/>
+          </a:prstGeom>
+          <a:solidFill>
+            <a:schemeClr val="tx1">
+              <a:lumMod val="65000"/>
+              <a:lumOff val="35000"/>
+            </a:schemeClr>
+          </a:solidFill>
+          <a:ln>
+            <a:noFill/>
+          </a:ln>
+        </p:spPr>
+        <p:style>
+          <a:lnRef idx="2">
+            <a:schemeClr val="accent1">
+              <a:shade val="50000"/>
+            </a:schemeClr>
+          </a:lnRef>
+          <a:fillRef idx="1">
+            <a:schemeClr val="accent1"/>
+          </a:fillRef>
+          <a:effectRef idx="0">
+            <a:schemeClr val="accent1"/>
+          </a:effectRef>
+          <a:fontRef idx="minor">
+            <a:schemeClr val="lt1"/>
+          </a:fontRef>
+        </p:style>
+        <p:txBody>
+          <a:bodyPr rtlCol="0" anchor="ctr"/>
+          <a:lstStyle/>
+          <a:p>
+            <a:pPr algn="ctr"/>
+            <a:endParaRPr lang="en-US"/>
+          </a:p>
+        </p:txBody>
+      </p:sp>
+      <p:sp>
+        <p:nvSpPr>
+          <p:cNvPr id="8" name="Rectangle 7"/>
+          <p:cNvSpPr/>
+          <p:nvPr/>
+        </p:nvSpPr>
+        <p:spPr>
+          <a:xfrm>
+            <a:off x="3102015" y="0"/>
+            <a:ext cx="2993985" cy="6858000"/>
+          </a:xfrm>
+          <a:prstGeom prst="rect">
+            <a:avLst/>
+          </a:prstGeom>
+          <a:solidFill>
+            <a:schemeClr val="tx1">
+              <a:lumMod val="50000"/>
+              <a:lumOff val="50000"/>
+            </a:schemeClr>
+          </a:solidFill>
+          <a:ln>
+            <a:noFill/>
+          </a:ln>
+        </p:spPr>
+        <p:style>
+          <a:lnRef idx="2">
+            <a:schemeClr val="accent1">
+              <a:shade val="50000"/>
+            </a:schemeClr>
+          </a:lnRef>
+          <a:fillRef idx="1">
+            <a:schemeClr val="accent1"/>
+          </a:fillRef>
+          <a:effectRef idx="0">
+            <a:schemeClr val="accent1"/>
+          </a:effectRef>
+          <a:fontRef idx="minor">
+            <a:schemeClr val="lt1"/>
+          </a:fontRef>
+        </p:style>
+        <p:txBody>
+          <a:bodyPr rtlCol="0" anchor="ctr"/>
+          <a:lstStyle/>
+          <a:p>
+            <a:pPr algn="ctr"/>
+            <a:endParaRPr lang="en-US"/>
+          </a:p>
+        </p:txBody>
+      </p:sp>
+      <p:sp>
+        <p:nvSpPr>
+          <p:cNvPr id="9" name="Rectangle 8"/>
+          <p:cNvSpPr/>
+          <p:nvPr/>
+        </p:nvSpPr>
+        <p:spPr>
+          <a:xfrm>
+            <a:off x="6096000" y="0"/>
+            <a:ext cx="2993985" cy="6858000"/>
+          </a:xfrm>
+          <a:prstGeom prst="rect">
+            <a:avLst/>
+          </a:prstGeom>
+          <a:solidFill>
+            <a:schemeClr val="bg2">
+              <a:lumMod val="75000"/>
+            </a:schemeClr>
+          </a:solidFill>
+          <a:ln>
+            <a:noFill/>
+          </a:ln>
+        </p:spPr>
+        <p:style>
+          <a:lnRef idx="2">
+            <a:schemeClr val="accent1">
+              <a:shade val="50000"/>
+            </a:schemeClr>
+          </a:lnRef>
+          <a:fillRef idx="1">
+            <a:schemeClr val="accent1"/>
+          </a:fillRef>
+          <a:effectRef idx="0">
+            <a:schemeClr val="accent1"/>
+          </a:effectRef>
+          <a:fontRef idx="minor">
+            <a:schemeClr val="lt1"/>
+          </a:fontRef>
+        </p:style>
+        <p:txBody>
+          <a:bodyPr rtlCol="0" anchor="ctr"/>
+          <a:lstStyle/>
+          <a:p>
+            <a:pPr algn="ctr"/>
+            <a:endParaRPr lang="en-US"/>
+          </a:p>
+        </p:txBody>
+      </p:sp>
+      <p:sp>
+        <p:nvSpPr>
+          <p:cNvPr id="10" name="Rectangle 9"/>
+          <p:cNvSpPr/>
+          <p:nvPr/>
+        </p:nvSpPr>
+        <p:spPr>
+          <a:xfrm>
+            <a:off x="9089985" y="0"/>
+            <a:ext cx="3102015" cy="6858000"/>
+          </a:xfrm>
+          <a:prstGeom prst="rect">
+            <a:avLst/>
+          </a:prstGeom>
+          <a:solidFill>
+            <a:schemeClr val="bg2">
+              <a:lumMod val="90000"/>
+            </a:schemeClr>
+          </a:solidFill>
+          <a:ln>
+            <a:noFill/>
+          </a:ln>
+        </p:spPr>
+        <p:style>
+          <a:lnRef idx="2">
+            <a:schemeClr val="accent1">
+              <a:shade val="50000"/>
+            </a:schemeClr>
+          </a:lnRef>
+          <a:fillRef idx="1">
+            <a:schemeClr val="accent1"/>
+          </a:fillRef>
+          <a:effectRef idx="0">
+            <a:schemeClr val="accent1"/>
+          </a:effectRef>
+          <a:fontRef idx="minor">
+            <a:schemeClr val="lt1"/>
+          </a:fontRef>
+        </p:style>
+        <p:txBody>
+          <a:bodyPr rtlCol="0" anchor="ctr"/>
+          <a:lstStyle/>
+          <a:p>
+            <a:pPr algn="ctr"/>
+            <a:endParaRPr lang="en-US"/>
+          </a:p>
+        </p:txBody>
+      </p:sp>
+      <p:sp>
+        <p:nvSpPr>
+          <p:cNvPr id="11" name="TextBox 10"/>
+          <p:cNvSpPr txBox="1"/>
+          <p:nvPr/>
+        </p:nvSpPr>
+        <p:spPr>
+          <a:xfrm>
+            <a:off x="474563" y="2222339"/>
+            <a:ext cx="12442784" cy="2646878"/>
+          </a:xfrm>
+          <a:prstGeom prst="rect">
+            <a:avLst/>
+          </a:prstGeom>
+          <a:noFill/>
+        </p:spPr>
+        <p:txBody>
+          <a:bodyPr wrap="square" rtlCol="0">
+            <a:spAutoFit/>
+          </a:bodyPr>
+          <a:lstStyle/>
+          <a:p>
+            <a:r>
+              <a:rPr lang="en-US" sz="16600">
+                <a:solidFill>
+                  <a:schemeClr val="bg1"/>
+                </a:solidFill>
+                <a:latin typeface="Montserrat" panose="00000500000000000000" pitchFamily="2" charset="0"/>
+              </a:rPr>
+              <a:t>Thank you</a:t>
+            </a:r>
+            <a:endParaRPr lang="en-US" sz="16600">
+              <a:solidFill>
+                <a:schemeClr val="bg1"/>
+              </a:solidFill>
+              <a:latin typeface="Montserrat" panose="00000500000000000000" pitchFamily="2" charset="0"/>
+            </a:endParaRPr>
+          </a:p>
+        </p:txBody>
+      </p:sp>
+    </p:spTree>
+  </p:cSld>
+  <p:clrMapOvr>
+    <a:masterClrMapping/>
+  </p:clrMapOvr>
+  <mc:AlternateContent xmlns:mc="http://schemas.openxmlformats.org/markup-compatibility/2006" xmlns:p159="http://schemas.microsoft.com/office/powerpoint/2015/09/main">
+    <mc:Choice Requires="p159">
+      <p:transition xmlns:p14="http://schemas.microsoft.com/office/powerpoint/2010/main" spd="slow" p14:dur="2000">
+        <p159:morph option="byObject"/>
+      </p:transition>
+    </mc:Choice>
+    <mc:Fallback>
+      <p:transition spd="slow">
+        <p:fade/>
+      </p:transition>
+    </mc:Fallback>
+  </mc:AlternateContent>
 </p:sld>
 </file>
 
@@ -8916,7 +9523,7 @@
                   <a:latin typeface="Times New Roman" panose="02020603050405020304" pitchFamily="18" charset="0"/>
                   <a:cs typeface="Times New Roman" panose="02020603050405020304" pitchFamily="18" charset="0"/>
                 </a:rPr>
-                <a:t>Công nghệ sư dụng</a:t>
+                <a:t>Công nghệ sử dụng</a:t>
               </a:r>
               <a:endParaRPr lang="en-US" sz="2800">
                 <a:latin typeface="Times New Roman" panose="02020603050405020304" pitchFamily="18" charset="0"/>
@@ -9087,6 +9694,28 @@
           </a:p>
         </p:txBody>
       </p:sp>
+      <p:pic>
+        <p:nvPicPr>
+          <p:cNvPr id="7" name="Picture 6"/>
+          <p:cNvPicPr/>
+          <p:nvPr/>
+        </p:nvPicPr>
+        <p:blipFill>
+          <a:blip r:embed="rId1"/>
+          <a:stretch>
+            <a:fillRect/>
+          </a:stretch>
+        </p:blipFill>
+        <p:spPr>
+          <a:xfrm>
+            <a:off x="451485" y="3038475"/>
+            <a:ext cx="5614035" cy="3667125"/>
+          </a:xfrm>
+          <a:prstGeom prst="rect">
+            <a:avLst/>
+          </a:prstGeom>
+        </p:spPr>
+      </p:pic>
       <p:sp>
         <p:nvSpPr>
           <p:cNvPr id="20" name="TextBox 19"/>
@@ -9176,7 +9805,7 @@
                 <a:latin typeface="Times New Roman" panose="02020603050405020304" pitchFamily="18" charset="0"/>
                 <a:ea typeface="Times New Roman" panose="02020603050405020304" pitchFamily="18" charset="0"/>
               </a:rPr>
-              <a:t>củng cố, bổ sung kiến thức, và giúp tin hơn trong các bài kiểm tra và cải thiện chất lượng giáo dục</a:t>
+              <a:t>củng cố, bổ sung kiến thức, và giúp hổ trợ học sinh trong các bài kiểm tra và cải thiện chất lượng giáo dục</a:t>
             </a:r>
             <a:r>
               <a:rPr lang="en-US" sz="2800">
@@ -9210,30 +9839,6 @@
           </a:p>
         </p:txBody>
       </p:sp>
-      <p:pic>
-        <p:nvPicPr>
-          <p:cNvPr id="2" name="Picture 1"/>
-          <p:cNvPicPr>
-            <a:picLocks noChangeAspect="1"/>
-          </p:cNvPicPr>
-          <p:nvPr/>
-        </p:nvPicPr>
-        <p:blipFill>
-          <a:blip r:embed="rId1"/>
-          <a:stretch>
-            <a:fillRect/>
-          </a:stretch>
-        </p:blipFill>
-        <p:spPr>
-          <a:xfrm>
-            <a:off x="773430" y="3087370"/>
-            <a:ext cx="5292090" cy="3293745"/>
-          </a:xfrm>
-          <a:prstGeom prst="rect">
-            <a:avLst/>
-          </a:prstGeom>
-        </p:spPr>
-      </p:pic>
       <p:pic>
         <p:nvPicPr>
           <p:cNvPr id="3" name="Picture 2"/>
@@ -9274,7 +9879,7 @@
         </p:blipFill>
         <p:spPr>
           <a:xfrm>
-            <a:off x="6861175" y="3918585"/>
+            <a:off x="9467215" y="2868930"/>
             <a:ext cx="1637665" cy="1631315"/>
           </a:xfrm>
           <a:prstGeom prst="rect">
@@ -9350,93 +9955,6 @@
           <a:p>
             <a:pPr algn="ctr"/>
             <a:r>
-              <a:rPr lang="en-US" sz="4000">
-                <a:solidFill>
-                  <a:schemeClr val="tx1"/>
-                </a:solidFill>
-                <a:latin typeface="Times New Roman" panose="02020603050405020304" pitchFamily="18" charset="0"/>
-                <a:sym typeface="+mn-ea"/>
-              </a:rPr>
-              <a:t>- </a:t>
-            </a:r>
-            <a:r>
-              <a:rPr lang="en-US" sz="4000" b="1">
-                <a:solidFill>
-                  <a:schemeClr val="tx1"/>
-                </a:solidFill>
-                <a:latin typeface="Times New Roman" panose="02020603050405020304" pitchFamily="18" charset="0"/>
-                <a:sym typeface="+mn-ea"/>
-              </a:rPr>
-              <a:t>Tạo một trang web thực tế </a:t>
-            </a:r>
-            <a:endParaRPr lang="en-US" sz="4000">
-              <a:solidFill>
-                <a:schemeClr val="tx1"/>
-              </a:solidFill>
-              <a:latin typeface="Times New Roman" panose="02020603050405020304" pitchFamily="18" charset="0"/>
-            </a:endParaRPr>
-          </a:p>
-          <a:p>
-            <a:pPr algn="ctr"/>
-            <a:r>
-              <a:rPr lang="en-US" sz="4000">
-                <a:solidFill>
-                  <a:schemeClr val="tx1"/>
-                </a:solidFill>
-                <a:latin typeface="Times New Roman" panose="02020603050405020304" pitchFamily="18" charset="0"/>
-                <a:sym typeface="+mn-ea"/>
-              </a:rPr>
-              <a:t>- </a:t>
-            </a:r>
-            <a:r>
-              <a:rPr lang="en-US" sz="4000" b="1">
-                <a:solidFill>
-                  <a:schemeClr val="tx1"/>
-                </a:solidFill>
-                <a:latin typeface="Times New Roman" panose="02020603050405020304" pitchFamily="18" charset="0"/>
-                <a:sym typeface="+mn-ea"/>
-              </a:rPr>
-              <a:t>Đảm bảo tính ổn định và hiệu suất</a:t>
-            </a:r>
-            <a:endParaRPr lang="en-US" sz="4000">
-              <a:solidFill>
-                <a:schemeClr val="tx1"/>
-              </a:solidFill>
-              <a:latin typeface="Times New Roman" panose="02020603050405020304" pitchFamily="18" charset="0"/>
-            </a:endParaRPr>
-          </a:p>
-          <a:p>
-            <a:pPr algn="ctr"/>
-            <a:r>
-              <a:rPr lang="en-US" sz="4000">
-                <a:solidFill>
-                  <a:schemeClr val="tx1"/>
-                </a:solidFill>
-                <a:latin typeface="Times New Roman" panose="02020603050405020304" pitchFamily="18" charset="0"/>
-                <a:sym typeface="+mn-ea"/>
-              </a:rPr>
-              <a:t>- </a:t>
-            </a:r>
-            <a:r>
-              <a:rPr lang="en-US" sz="4000" b="1">
-                <a:solidFill>
-                  <a:schemeClr val="tx1"/>
-                </a:solidFill>
-                <a:latin typeface="Times New Roman" panose="02020603050405020304" pitchFamily="18" charset="0"/>
-                <a:sym typeface="+mn-ea"/>
-              </a:rPr>
-              <a:t>Tối ưu hóa trải nghiệm người dùng</a:t>
-            </a:r>
-            <a:endParaRPr lang="en-US" sz="4000">
-              <a:solidFill>
-                <a:schemeClr val="tx1"/>
-              </a:solidFill>
-              <a:latin typeface="Times New Roman" panose="02020603050405020304" pitchFamily="18" charset="0"/>
-            </a:endParaRPr>
-          </a:p>
-          <a:p>
-            <a:pPr algn="ctr"/>
-            <a:r>
               <a:rPr lang="en-US" sz="4000" b="1">
                 <a:latin typeface="Times New Roman" panose="02020603050405020304" pitchFamily="18" charset="0"/>
                 <a:sym typeface="+mn-ea"/>
@@ -9505,6 +10023,272 @@
               </a:solidFill>
               <a:ea typeface="Open Sans ExtraBold" panose="020B0906030804020204" pitchFamily="34" charset="0"/>
               <a:cs typeface="Arial" panose="020B0604020202020204" pitchFamily="34" charset="0"/>
+            </a:endParaRPr>
+          </a:p>
+        </p:txBody>
+      </p:sp>
+      <p:sp>
+        <p:nvSpPr>
+          <p:cNvPr id="14" name="TextBox 13"/>
+          <p:cNvSpPr txBox="1"/>
+          <p:nvPr/>
+        </p:nvSpPr>
+        <p:spPr>
+          <a:xfrm>
+            <a:off x="154388" y="906805"/>
+            <a:ext cx="11900468" cy="1383665"/>
+          </a:xfrm>
+          <a:prstGeom prst="rect">
+            <a:avLst/>
+          </a:prstGeom>
+          <a:noFill/>
+        </p:spPr>
+        <p:txBody>
+          <a:bodyPr wrap="square" rtlCol="0">
+            <a:spAutoFit/>
+          </a:bodyPr>
+          <a:p>
+            <a:pPr algn="just"/>
+            <a:r>
+              <a:rPr lang="en-US" altLang="en-US" sz="2800" b="1">
+                <a:effectLst/>
+                <a:latin typeface="Times New Roman" panose="02020603050405020304" pitchFamily="18" charset="0"/>
+                <a:ea typeface="Times New Roman" panose="02020603050405020304" pitchFamily="18" charset="0"/>
+              </a:rPr>
+              <a:t>1. Thiết kế và xây dựng hệ thống website ôn thi trắc nghiệm tiếng Anh</a:t>
+            </a:r>
+            <a:endParaRPr lang="en-US" altLang="en-US" sz="2800" b="1">
+              <a:effectLst/>
+              <a:latin typeface="Times New Roman" panose="02020603050405020304" pitchFamily="18" charset="0"/>
+              <a:ea typeface="Times New Roman" panose="02020603050405020304" pitchFamily="18" charset="0"/>
+            </a:endParaRPr>
+          </a:p>
+          <a:p>
+            <a:pPr algn="just"/>
+            <a:r>
+              <a:rPr lang="en-US" altLang="en-US" sz="2800">
+                <a:effectLst/>
+                <a:latin typeface="Times New Roman" panose="02020603050405020304" pitchFamily="18" charset="0"/>
+                <a:ea typeface="Times New Roman" panose="02020603050405020304" pitchFamily="18" charset="0"/>
+              </a:rPr>
+              <a:t>→ Phát triển một website thân thiện, dễ sử dụng, cho phép học sinh trung học phổ thông luyện tập các dạng bài trắc nghiệm tiếng Anh một cách hiệu quả.</a:t>
+            </a:r>
+            <a:endParaRPr lang="en-US" altLang="en-US" sz="2800">
+              <a:effectLst/>
+              <a:latin typeface="Times New Roman" panose="02020603050405020304" pitchFamily="18" charset="0"/>
+              <a:ea typeface="Times New Roman" panose="02020603050405020304" pitchFamily="18" charset="0"/>
+            </a:endParaRPr>
+          </a:p>
+        </p:txBody>
+      </p:sp>
+      <p:sp>
+        <p:nvSpPr>
+          <p:cNvPr id="2" name="TextBox 13"/>
+          <p:cNvSpPr txBox="1"/>
+          <p:nvPr/>
+        </p:nvSpPr>
+        <p:spPr>
+          <a:xfrm>
+            <a:off x="154388" y="2527325"/>
+            <a:ext cx="11900468" cy="1383665"/>
+          </a:xfrm>
+          <a:prstGeom prst="rect">
+            <a:avLst/>
+          </a:prstGeom>
+          <a:noFill/>
+        </p:spPr>
+        <p:txBody>
+          <a:bodyPr wrap="square" rtlCol="0">
+            <a:spAutoFit/>
+          </a:bodyPr>
+          <a:p>
+            <a:pPr algn="just">
+              <a:buClrTx/>
+              <a:buSzTx/>
+              <a:buFontTx/>
+            </a:pPr>
+            <a:r>
+              <a:rPr lang="en-US" altLang="en-US" sz="2800" b="1">
+                <a:effectLst/>
+                <a:latin typeface="Times New Roman" panose="02020603050405020304" pitchFamily="18" charset="0"/>
+                <a:ea typeface="Times New Roman" panose="02020603050405020304" pitchFamily="18" charset="0"/>
+              </a:rPr>
+              <a:t>2. Hỗ trợ học sinh tự học và đánh giá năng lực tiếng Anh</a:t>
+            </a:r>
+            <a:endParaRPr lang="en-US" altLang="en-US" sz="2800" b="1">
+              <a:effectLst/>
+              <a:latin typeface="Times New Roman" panose="02020603050405020304" pitchFamily="18" charset="0"/>
+              <a:ea typeface="Times New Roman" panose="02020603050405020304" pitchFamily="18" charset="0"/>
+            </a:endParaRPr>
+          </a:p>
+          <a:p>
+            <a:pPr algn="just"/>
+            <a:r>
+              <a:rPr lang="en-US" altLang="en-US" sz="2800">
+                <a:effectLst/>
+                <a:latin typeface="Times New Roman" panose="02020603050405020304" pitchFamily="18" charset="0"/>
+                <a:ea typeface="Times New Roman" panose="02020603050405020304" pitchFamily="18" charset="0"/>
+              </a:rPr>
+              <a:t>→ Cung cấp ngân hàng câu hỏi </a:t>
+            </a:r>
+            <a:r>
+              <a:rPr lang="" altLang="en-US" sz="2800">
+                <a:effectLst/>
+                <a:latin typeface="Times New Roman" panose="02020603050405020304" pitchFamily="18" charset="0"/>
+                <a:ea typeface="Times New Roman" panose="02020603050405020304" pitchFamily="18" charset="0"/>
+              </a:rPr>
+              <a:t>đ</a:t>
+            </a:r>
+            <a:r>
+              <a:rPr lang="en-US" altLang="en-US" sz="2800">
+                <a:effectLst/>
+                <a:latin typeface="Times New Roman" panose="02020603050405020304" pitchFamily="18" charset="0"/>
+                <a:ea typeface="Times New Roman" panose="02020603050405020304" pitchFamily="18" charset="0"/>
+              </a:rPr>
+              <a:t>a dạng theo từng chủ </a:t>
+            </a:r>
+            <a:r>
+              <a:rPr lang="" altLang="en-US" sz="2800">
+                <a:effectLst/>
+                <a:latin typeface="Times New Roman" panose="02020603050405020304" pitchFamily="18" charset="0"/>
+                <a:ea typeface="Times New Roman" panose="02020603050405020304" pitchFamily="18" charset="0"/>
+              </a:rPr>
+              <a:t>đ</a:t>
+            </a:r>
+            <a:r>
+              <a:rPr lang="en-US" altLang="en-US" sz="2800">
+                <a:effectLst/>
+                <a:latin typeface="Times New Roman" panose="02020603050405020304" pitchFamily="18" charset="0"/>
+                <a:ea typeface="Times New Roman" panose="02020603050405020304" pitchFamily="18" charset="0"/>
+              </a:rPr>
+              <a:t>ề và mức </a:t>
+            </a:r>
+            <a:r>
+              <a:rPr lang="" altLang="en-US" sz="2800">
+                <a:effectLst/>
+                <a:latin typeface="Times New Roman" panose="02020603050405020304" pitchFamily="18" charset="0"/>
+                <a:ea typeface="Times New Roman" panose="02020603050405020304" pitchFamily="18" charset="0"/>
+              </a:rPr>
+              <a:t>đ</a:t>
+            </a:r>
+            <a:r>
+              <a:rPr lang="en-US" altLang="en-US" sz="2800">
+                <a:effectLst/>
+                <a:latin typeface="Times New Roman" panose="02020603050405020304" pitchFamily="18" charset="0"/>
+                <a:ea typeface="Times New Roman" panose="02020603050405020304" pitchFamily="18" charset="0"/>
+              </a:rPr>
+              <a:t>ộ khó, giúp học sinh tự kiểm tra trình </a:t>
+            </a:r>
+            <a:r>
+              <a:rPr lang="" altLang="en-US" sz="2800">
+                <a:effectLst/>
+                <a:latin typeface="Times New Roman" panose="02020603050405020304" pitchFamily="18" charset="0"/>
+                <a:ea typeface="Times New Roman" panose="02020603050405020304" pitchFamily="18" charset="0"/>
+              </a:rPr>
+              <a:t>đ</a:t>
+            </a:r>
+            <a:r>
+              <a:rPr lang="en-US" altLang="en-US" sz="2800">
+                <a:effectLst/>
+                <a:latin typeface="Times New Roman" panose="02020603050405020304" pitchFamily="18" charset="0"/>
+                <a:ea typeface="Times New Roman" panose="02020603050405020304" pitchFamily="18" charset="0"/>
+              </a:rPr>
+              <a:t>ộ, phát hiện </a:t>
+            </a:r>
+            <a:r>
+              <a:rPr lang="" altLang="en-US" sz="2800">
+                <a:effectLst/>
+                <a:latin typeface="Times New Roman" panose="02020603050405020304" pitchFamily="18" charset="0"/>
+                <a:ea typeface="Times New Roman" panose="02020603050405020304" pitchFamily="18" charset="0"/>
+              </a:rPr>
+              <a:t>đ</a:t>
+            </a:r>
+            <a:r>
+              <a:rPr lang="en-US" altLang="en-US" sz="2800">
+                <a:effectLst/>
+                <a:latin typeface="Times New Roman" panose="02020603050405020304" pitchFamily="18" charset="0"/>
+                <a:ea typeface="Times New Roman" panose="02020603050405020304" pitchFamily="18" charset="0"/>
+              </a:rPr>
+              <a:t>iểm yếu và cải thiện kỹ n</a:t>
+            </a:r>
+            <a:r>
+              <a:rPr lang="" altLang="en-US" sz="2800">
+                <a:effectLst/>
+                <a:latin typeface="Times New Roman" panose="02020603050405020304" pitchFamily="18" charset="0"/>
+                <a:ea typeface="Times New Roman" panose="02020603050405020304" pitchFamily="18" charset="0"/>
+              </a:rPr>
+              <a:t>ă</a:t>
+            </a:r>
+            <a:r>
+              <a:rPr lang="en-US" altLang="en-US" sz="2800">
+                <a:effectLst/>
+                <a:latin typeface="Times New Roman" panose="02020603050405020304" pitchFamily="18" charset="0"/>
+                <a:ea typeface="Times New Roman" panose="02020603050405020304" pitchFamily="18" charset="0"/>
+              </a:rPr>
+              <a:t>ng tiếng Anh.</a:t>
+            </a:r>
+            <a:endParaRPr lang="en-US" altLang="en-US" sz="2800">
+              <a:effectLst/>
+              <a:latin typeface="Times New Roman" panose="02020603050405020304" pitchFamily="18" charset="0"/>
+              <a:ea typeface="Times New Roman" panose="02020603050405020304" pitchFamily="18" charset="0"/>
+            </a:endParaRPr>
+          </a:p>
+        </p:txBody>
+      </p:sp>
+      <p:sp>
+        <p:nvSpPr>
+          <p:cNvPr id="3" name="TextBox 13"/>
+          <p:cNvSpPr txBox="1"/>
+          <p:nvPr/>
+        </p:nvSpPr>
+        <p:spPr>
+          <a:xfrm>
+            <a:off x="154388" y="4401845"/>
+            <a:ext cx="11900468" cy="1383665"/>
+          </a:xfrm>
+          <a:prstGeom prst="rect">
+            <a:avLst/>
+          </a:prstGeom>
+          <a:noFill/>
+        </p:spPr>
+        <p:txBody>
+          <a:bodyPr wrap="square" rtlCol="0">
+            <a:spAutoFit/>
+          </a:bodyPr>
+          <a:p>
+            <a:pPr algn="just">
+              <a:buClrTx/>
+              <a:buSzTx/>
+              <a:buFontTx/>
+            </a:pPr>
+            <a:r>
+              <a:rPr lang="en-US" altLang="en-US" sz="2800" b="1">
+                <a:effectLst/>
+                <a:latin typeface="Times New Roman" panose="02020603050405020304" pitchFamily="18" charset="0"/>
+                <a:ea typeface="Times New Roman" panose="02020603050405020304" pitchFamily="18" charset="0"/>
+              </a:rPr>
+              <a:t>3. Tối ưu hóa quy trình luyện thi bằng công nghệ</a:t>
+            </a:r>
+            <a:endParaRPr lang="en-US" altLang="en-US" sz="2800" b="1">
+              <a:effectLst/>
+              <a:latin typeface="Times New Roman" panose="02020603050405020304" pitchFamily="18" charset="0"/>
+              <a:ea typeface="Times New Roman" panose="02020603050405020304" pitchFamily="18" charset="0"/>
+            </a:endParaRPr>
+          </a:p>
+          <a:p>
+            <a:pPr algn="just"/>
+            <a:r>
+              <a:rPr lang="en-US" altLang="en-US" sz="2800">
+                <a:effectLst/>
+                <a:latin typeface="Times New Roman" panose="02020603050405020304" pitchFamily="18" charset="0"/>
+                <a:ea typeface="Times New Roman" panose="02020603050405020304" pitchFamily="18" charset="0"/>
+              </a:rPr>
+              <a:t>→ Tích hợp các công nghệ AI bên ngoài để hổ trợ cho học sinh và nâng cao hiệu quả chuẩn bị cho các kỳ thi tiếng Anh.</a:t>
+            </a:r>
+            <a:endParaRPr lang="en-US" altLang="en-US" sz="2800">
+              <a:effectLst/>
+              <a:latin typeface="Times New Roman" panose="02020603050405020304" pitchFamily="18" charset="0"/>
+              <a:ea typeface="Times New Roman" panose="02020603050405020304" pitchFamily="18" charset="0"/>
             </a:endParaRPr>
           </a:p>
         </p:txBody>
@@ -9582,69 +10366,6 @@
       </p:sp>
       <p:sp>
         <p:nvSpPr>
-          <p:cNvPr id="12" name="TextBox 11"/>
-          <p:cNvSpPr txBox="1"/>
-          <p:nvPr/>
-        </p:nvSpPr>
-        <p:spPr>
-          <a:xfrm>
-            <a:off x="356597" y="1457162"/>
-            <a:ext cx="6435874" cy="538609"/>
-          </a:xfrm>
-          <a:prstGeom prst="rect">
-            <a:avLst/>
-          </a:prstGeom>
-          <a:noFill/>
-        </p:spPr>
-        <p:txBody>
-          <a:bodyPr wrap="square" rtlCol="0">
-            <a:spAutoFit/>
-          </a:bodyPr>
-          <a:lstStyle/>
-          <a:p>
-            <a:r>
-              <a:rPr lang="en-ID" sz="2900" spc="100">
-                <a:solidFill>
-                  <a:srgbClr val="C00000"/>
-                </a:solidFill>
-                <a:latin typeface="Times New Roman" panose="02020603050405020304" pitchFamily="18" charset="0"/>
-                <a:ea typeface="Open Sans SemiBold" panose="020B0706030804020204" pitchFamily="34" charset="0"/>
-                <a:cs typeface="Times New Roman" panose="02020603050405020304" pitchFamily="18" charset="0"/>
-              </a:rPr>
-              <a:t> d)</a:t>
-            </a:r>
-            <a:r>
-              <a:rPr lang="en-US" sz="1800" b="1">
-                <a:effectLst/>
-                <a:latin typeface="Times New Roman" panose="02020603050405020304" pitchFamily="18" charset="0"/>
-                <a:ea typeface="Times New Roman" panose="02020603050405020304" pitchFamily="18" charset="0"/>
-              </a:rPr>
-              <a:t> </a:t>
-            </a:r>
-            <a:r>
-              <a:rPr lang="en-US" sz="2900" spc="100">
-                <a:solidFill>
-                  <a:srgbClr val="C00000"/>
-                </a:solidFill>
-                <a:latin typeface="Times New Roman" panose="02020603050405020304" pitchFamily="18" charset="0"/>
-                <a:ea typeface="Open Sans SemiBold" panose="020B0706030804020204" pitchFamily="34" charset="0"/>
-                <a:cs typeface="Times New Roman" panose="02020603050405020304" pitchFamily="18" charset="0"/>
-              </a:rPr>
-              <a:t>Phương pháp nghiên cứu</a:t>
-            </a:r>
-            <a:endParaRPr lang="en-ID" sz="2900" spc="100">
-              <a:solidFill>
-                <a:srgbClr val="C00000"/>
-              </a:solidFill>
-              <a:latin typeface="Times New Roman" panose="02020603050405020304" pitchFamily="18" charset="0"/>
-              <a:ea typeface="Open Sans SemiBold" panose="020B0706030804020204" pitchFamily="34" charset="0"/>
-              <a:cs typeface="Times New Roman" panose="02020603050405020304" pitchFamily="18" charset="0"/>
-            </a:endParaRPr>
-          </a:p>
-        </p:txBody>
-      </p:sp>
-      <p:sp>
-        <p:nvSpPr>
           <p:cNvPr id="20" name="TextBox 19"/>
           <p:cNvSpPr txBox="1"/>
           <p:nvPr/>
@@ -9721,8 +10442,8 @@
         </p:nvSpPr>
         <p:spPr>
           <a:xfrm>
-            <a:off x="376714" y="2139154"/>
-            <a:ext cx="6772356" cy="4636013"/>
+            <a:off x="430530" y="1149350"/>
+            <a:ext cx="2485390" cy="586105"/>
           </a:xfrm>
           <a:prstGeom prst="rect">
             <a:avLst/>
@@ -9735,104 +10456,27 @@
           </a:bodyPr>
           <a:lstStyle/>
           <a:p>
-            <a:pPr marL="342900" lvl="0" indent="-342900" algn="just">
+            <a:pPr lvl="0" indent="0" algn="just">
               <a:lnSpc>
                 <a:spcPct val="115000"/>
               </a:lnSpc>
               <a:buFont typeface="Arial" panose="020B0604020202020204" pitchFamily="34" charset="0"/>
-              <a:buChar char="✔"/>
+              <a:buNone/>
             </a:pPr>
             <a:r>
-              <a:rPr lang="en-US" sz="2800" b="1">
-                <a:latin typeface="Times New Roman" panose="02020603050405020304" pitchFamily="18" charset="0"/>
-              </a:rPr>
-              <a:t>Phương pháp nghiên cứu lý thuyết:</a:t>
-            </a:r>
-            <a:endParaRPr lang="en-US" sz="2800" b="1">
-              <a:latin typeface="Times New Roman" panose="02020603050405020304" pitchFamily="18" charset="0"/>
-            </a:endParaRPr>
-          </a:p>
-          <a:p>
-            <a:pPr marL="342900" lvl="0" indent="-342900" algn="just">
-              <a:lnSpc>
-                <a:spcPct val="115000"/>
-              </a:lnSpc>
-              <a:buFont typeface="Symbol" panose="05050102010706020507" pitchFamily="18" charset="2"/>
-              <a:buChar char="-"/>
-            </a:pPr>
-            <a:r>
-              <a:rPr lang="en-US" sz="2800">
-                <a:latin typeface="Times New Roman" panose="02020603050405020304" pitchFamily="18" charset="0"/>
-              </a:rPr>
-              <a:t>Nghiên cứu các công nghệ cần thiết và mô hình MVC trong việc xây dựng website.</a:t>
-            </a:r>
-            <a:endParaRPr lang="en-US" sz="2800">
-              <a:latin typeface="Times New Roman" panose="02020603050405020304" pitchFamily="18" charset="0"/>
-            </a:endParaRPr>
-          </a:p>
-          <a:p>
-            <a:pPr marL="342900" lvl="0" indent="-342900" algn="just">
-              <a:lnSpc>
-                <a:spcPct val="115000"/>
-              </a:lnSpc>
-              <a:buFont typeface="Arial" panose="020B0604020202020204" pitchFamily="34" charset="0"/>
-              <a:buChar char="✔"/>
-            </a:pPr>
-            <a:r>
-              <a:rPr lang="en-US" sz="2800" b="1">
-                <a:latin typeface="Times New Roman" panose="02020603050405020304" pitchFamily="18" charset="0"/>
-              </a:rPr>
-              <a:t>Phương pháp thực nghiệm:</a:t>
-            </a:r>
-            <a:endParaRPr lang="en-US" sz="2800" b="1">
-              <a:latin typeface="Times New Roman" panose="02020603050405020304" pitchFamily="18" charset="0"/>
-            </a:endParaRPr>
-          </a:p>
-          <a:p>
-            <a:pPr marL="342900" lvl="0" indent="-342900" algn="just">
-              <a:lnSpc>
-                <a:spcPct val="115000"/>
-              </a:lnSpc>
-              <a:buFont typeface="Symbol" panose="05050102010706020507" pitchFamily="18" charset="2"/>
-              <a:buChar char="-"/>
-            </a:pPr>
-            <a:r>
-              <a:rPr lang="en-US" sz="2800">
-                <a:latin typeface="Times New Roman" panose="02020603050405020304" pitchFamily="18" charset="0"/>
-              </a:rPr>
-              <a:t>Xây dựng website triển khai cho học sinh, giáo viên.</a:t>
-            </a:r>
-            <a:endParaRPr lang="en-US" sz="2800">
-              <a:latin typeface="Times New Roman" panose="02020603050405020304" pitchFamily="18" charset="0"/>
-            </a:endParaRPr>
-          </a:p>
-          <a:p>
-            <a:pPr marL="342900" lvl="0" indent="-342900" algn="just">
-              <a:lnSpc>
-                <a:spcPct val="115000"/>
-              </a:lnSpc>
-              <a:buFont typeface="Symbol" panose="05050102010706020507" pitchFamily="18" charset="2"/>
-              <a:buChar char="-"/>
-            </a:pPr>
-            <a:r>
-              <a:rPr lang="en-US" sz="2800">
-                <a:latin typeface="Times New Roman" panose="02020603050405020304" pitchFamily="18" charset="0"/>
-              </a:rPr>
-              <a:t>Khảo sát, lấy ý kiến phản hồi từ người dùng.</a:t>
-            </a:r>
-            <a:endParaRPr lang="en-US" sz="2800">
-              <a:latin typeface="Times New Roman" panose="02020603050405020304" pitchFamily="18" charset="0"/>
-            </a:endParaRPr>
-          </a:p>
-          <a:p>
-            <a:pPr algn="just">
-              <a:lnSpc>
-                <a:spcPct val="150000"/>
-              </a:lnSpc>
-            </a:pPr>
-            <a:endParaRPr lang="en-ID" sz="2800" spc="100">
+              <a:rPr lang="en-US" altLang="en-ID" sz="2800" b="1" spc="100">
+                <a:solidFill>
+                  <a:schemeClr val="tx1"/>
+                </a:solidFill>
+                <a:latin typeface="+mj-lt"/>
+                <a:ea typeface="Open Sans SemiBold" panose="020B0706030804020204" pitchFamily="34" charset="0"/>
+                <a:cs typeface="Times New Roman" panose="02020603050405020304" pitchFamily="18" charset="0"/>
+              </a:rPr>
+              <a:t>FRONT END :</a:t>
+            </a:r>
+            <a:endParaRPr lang="en-US" altLang="en-ID" sz="2800" b="1" spc="100">
               <a:solidFill>
-                <a:srgbClr val="C00000"/>
+                <a:schemeClr val="tx1"/>
               </a:solidFill>
               <a:latin typeface="+mj-lt"/>
               <a:ea typeface="Open Sans SemiBold" panose="020B0706030804020204" pitchFamily="34" charset="0"/>
@@ -9843,23 +10487,22 @@
       </p:sp>
       <p:sp>
         <p:nvSpPr>
-          <p:cNvPr id="2" name="Rectangle 1"/>
+          <p:cNvPr id="4" name="Rectangles 3"/>
           <p:cNvSpPr/>
           <p:nvPr/>
         </p:nvSpPr>
         <p:spPr>
           <a:xfrm>
-            <a:off x="7525783" y="2063057"/>
-            <a:ext cx="4631293" cy="1371600"/>
+            <a:off x="7148830" y="0"/>
+            <a:ext cx="5042535" cy="3181350"/>
           </a:xfrm>
           <a:prstGeom prst="rect">
             <a:avLst/>
           </a:prstGeom>
-          <a:blipFill>
+          <a:blipFill rotWithShape="1">
             <a:blip r:embed="rId1"/>
-            <a:srcRect/>
             <a:stretch>
-              <a:fillRect t="-11362" b="-11362"/>
+              <a:fillRect/>
             </a:stretch>
           </a:blipFill>
           <a:ln>
@@ -9869,14 +10512,14 @@
         <p:style>
           <a:lnRef idx="2">
             <a:schemeClr val="accent1">
-              <a:shade val="50000"/>
+              <a:lumMod val="75000"/>
             </a:schemeClr>
           </a:lnRef>
           <a:fillRef idx="1">
             <a:schemeClr val="accent1"/>
           </a:fillRef>
           <a:effectRef idx="0">
-            <a:schemeClr val="accent1"/>
+            <a:srgbClr val="FFFFFF"/>
           </a:effectRef>
           <a:fontRef idx="minor">
             <a:schemeClr val="lt1"/>
@@ -9884,7 +10527,6 @@
         </p:style>
         <p:txBody>
           <a:bodyPr rtlCol="0" anchor="ctr"/>
-          <a:lstStyle/>
           <a:p>
             <a:pPr algn="ctr"/>
             <a:endParaRPr lang="en-US"/>
@@ -9893,23 +10535,22 @@
       </p:sp>
       <p:sp>
         <p:nvSpPr>
-          <p:cNvPr id="19" name="Rectangle 18"/>
+          <p:cNvPr id="6" name="Rectangles 5"/>
           <p:cNvSpPr/>
           <p:nvPr/>
         </p:nvSpPr>
         <p:spPr>
           <a:xfrm>
-            <a:off x="7270234" y="4302890"/>
-            <a:ext cx="4631293" cy="1371600"/>
+            <a:off x="7147560" y="3569335"/>
+            <a:ext cx="5043805" cy="3288665"/>
           </a:xfrm>
           <a:prstGeom prst="rect">
             <a:avLst/>
           </a:prstGeom>
-          <a:blipFill>
+          <a:blipFill rotWithShape="1">
             <a:blip r:embed="rId2"/>
-            <a:srcRect/>
             <a:stretch>
-              <a:fillRect t="-28083" b="-28083"/>
+              <a:fillRect/>
             </a:stretch>
           </a:blipFill>
           <a:ln>
@@ -9919,14 +10560,14 @@
         <p:style>
           <a:lnRef idx="2">
             <a:schemeClr val="accent1">
-              <a:shade val="50000"/>
+              <a:lumMod val="75000"/>
             </a:schemeClr>
           </a:lnRef>
           <a:fillRef idx="1">
             <a:schemeClr val="accent1"/>
           </a:fillRef>
           <a:effectRef idx="0">
-            <a:schemeClr val="accent1"/>
+            <a:srgbClr val="FFFFFF"/>
           </a:effectRef>
           <a:fontRef idx="minor">
             <a:schemeClr val="lt1"/>
@@ -9934,10 +10575,159 @@
         </p:style>
         <p:txBody>
           <a:bodyPr rtlCol="0" anchor="ctr"/>
-          <a:lstStyle/>
           <a:p>
             <a:pPr algn="ctr"/>
             <a:endParaRPr lang="en-US"/>
+          </a:p>
+        </p:txBody>
+      </p:sp>
+      <p:sp>
+        <p:nvSpPr>
+          <p:cNvPr id="8" name="TextBox 10"/>
+          <p:cNvSpPr txBox="1"/>
+          <p:nvPr/>
+        </p:nvSpPr>
+        <p:spPr>
+          <a:xfrm>
+            <a:off x="1083945" y="2054225"/>
+            <a:ext cx="2485390" cy="586105"/>
+          </a:xfrm>
+          <a:prstGeom prst="rect">
+            <a:avLst/>
+          </a:prstGeom>
+          <a:noFill/>
+        </p:spPr>
+        <p:txBody>
+          <a:bodyPr wrap="square" rtlCol="0">
+            <a:spAutoFit/>
+          </a:bodyPr>
+          <a:p>
+            <a:pPr lvl="0" indent="0" algn="just">
+              <a:lnSpc>
+                <a:spcPct val="115000"/>
+              </a:lnSpc>
+              <a:buFont typeface="Arial" panose="020B0604020202020204" pitchFamily="34" charset="0"/>
+              <a:buNone/>
+            </a:pPr>
+            <a:r>
+              <a:rPr lang="en-US" altLang="en-ID" sz="2800" b="1" spc="100">
+                <a:solidFill>
+                  <a:schemeClr val="tx1"/>
+                </a:solidFill>
+                <a:latin typeface="+mj-lt"/>
+                <a:ea typeface="Open Sans SemiBold" panose="020B0706030804020204" pitchFamily="34" charset="0"/>
+                <a:cs typeface="Times New Roman" panose="02020603050405020304" pitchFamily="18" charset="0"/>
+              </a:rPr>
+              <a:t>+ ReactJs</a:t>
+            </a:r>
+            <a:endParaRPr lang="en-US" altLang="en-ID" sz="2800" b="1" spc="100">
+              <a:solidFill>
+                <a:schemeClr val="tx1"/>
+              </a:solidFill>
+              <a:latin typeface="+mj-lt"/>
+              <a:ea typeface="Open Sans SemiBold" panose="020B0706030804020204" pitchFamily="34" charset="0"/>
+              <a:cs typeface="Times New Roman" panose="02020603050405020304" pitchFamily="18" charset="0"/>
+            </a:endParaRPr>
+          </a:p>
+        </p:txBody>
+      </p:sp>
+      <p:sp>
+        <p:nvSpPr>
+          <p:cNvPr id="9" name="TextBox 10"/>
+          <p:cNvSpPr txBox="1"/>
+          <p:nvPr/>
+        </p:nvSpPr>
+        <p:spPr>
+          <a:xfrm>
+            <a:off x="1083945" y="2959100"/>
+            <a:ext cx="2485390" cy="586105"/>
+          </a:xfrm>
+          <a:prstGeom prst="rect">
+            <a:avLst/>
+          </a:prstGeom>
+          <a:noFill/>
+        </p:spPr>
+        <p:txBody>
+          <a:bodyPr wrap="square" rtlCol="0">
+            <a:spAutoFit/>
+          </a:bodyPr>
+          <a:p>
+            <a:pPr lvl="0" indent="0" algn="just">
+              <a:lnSpc>
+                <a:spcPct val="115000"/>
+              </a:lnSpc>
+              <a:buFont typeface="Arial" panose="020B0604020202020204" pitchFamily="34" charset="0"/>
+              <a:buNone/>
+            </a:pPr>
+            <a:r>
+              <a:rPr lang="en-US" altLang="en-ID" sz="2800" b="1" spc="100">
+                <a:solidFill>
+                  <a:schemeClr val="tx1"/>
+                </a:solidFill>
+                <a:latin typeface="+mj-lt"/>
+                <a:ea typeface="Open Sans SemiBold" panose="020B0706030804020204" pitchFamily="34" charset="0"/>
+                <a:cs typeface="Times New Roman" panose="02020603050405020304" pitchFamily="18" charset="0"/>
+              </a:rPr>
+              <a:t>+ Vite</a:t>
+            </a:r>
+            <a:endParaRPr lang="en-US" altLang="en-ID" sz="2800" b="1" spc="100">
+              <a:solidFill>
+                <a:schemeClr val="tx1"/>
+              </a:solidFill>
+              <a:latin typeface="+mj-lt"/>
+              <a:ea typeface="Open Sans SemiBold" panose="020B0706030804020204" pitchFamily="34" charset="0"/>
+              <a:cs typeface="Times New Roman" panose="02020603050405020304" pitchFamily="18" charset="0"/>
+            </a:endParaRPr>
+          </a:p>
+        </p:txBody>
+      </p:sp>
+      <p:sp>
+        <p:nvSpPr>
+          <p:cNvPr id="10" name="TextBox 10"/>
+          <p:cNvSpPr txBox="1"/>
+          <p:nvPr/>
+        </p:nvSpPr>
+        <p:spPr>
+          <a:xfrm>
+            <a:off x="1083945" y="3956685"/>
+            <a:ext cx="2485390" cy="586105"/>
+          </a:xfrm>
+          <a:prstGeom prst="rect">
+            <a:avLst/>
+          </a:prstGeom>
+          <a:noFill/>
+        </p:spPr>
+        <p:txBody>
+          <a:bodyPr wrap="square" rtlCol="0">
+            <a:spAutoFit/>
+          </a:bodyPr>
+          <a:p>
+            <a:pPr lvl="0" indent="0" algn="just">
+              <a:lnSpc>
+                <a:spcPct val="115000"/>
+              </a:lnSpc>
+              <a:buFont typeface="Arial" panose="020B0604020202020204" pitchFamily="34" charset="0"/>
+              <a:buNone/>
+            </a:pPr>
+            <a:r>
+              <a:rPr lang="en-US" altLang="en-ID" sz="2800" b="1" spc="100">
+                <a:solidFill>
+                  <a:schemeClr val="tx1"/>
+                </a:solidFill>
+                <a:latin typeface="+mj-lt"/>
+                <a:ea typeface="Open Sans SemiBold" panose="020B0706030804020204" pitchFamily="34" charset="0"/>
+                <a:cs typeface="Times New Roman" panose="02020603050405020304" pitchFamily="18" charset="0"/>
+              </a:rPr>
+              <a:t>+ TypeScript</a:t>
+            </a:r>
+            <a:endParaRPr lang="en-US" altLang="en-ID" sz="2800" b="1" spc="100">
+              <a:solidFill>
+                <a:schemeClr val="tx1"/>
+              </a:solidFill>
+              <a:latin typeface="+mj-lt"/>
+              <a:ea typeface="Open Sans SemiBold" panose="020B0706030804020204" pitchFamily="34" charset="0"/>
+              <a:cs typeface="Times New Roman" panose="02020603050405020304" pitchFamily="18" charset="0"/>
+            </a:endParaRPr>
           </a:p>
         </p:txBody>
       </p:sp>
@@ -9975,7 +10765,7 @@
         <p:spPr>
           <a:xfrm>
             <a:off x="0" y="0"/>
-            <a:ext cx="8251473" cy="6858000"/>
+            <a:ext cx="7149069" cy="6858000"/>
           </a:xfrm>
           <a:prstGeom prst="rect">
             <a:avLst/>
@@ -10020,8 +10810,8 @@
         </p:nvSpPr>
         <p:spPr>
           <a:xfrm>
-            <a:off x="218047" y="233788"/>
-            <a:ext cx="3850005" cy="1076325"/>
+            <a:off x="169306" y="403339"/>
+            <a:ext cx="11853387" cy="583565"/>
           </a:xfrm>
           <a:prstGeom prst="rect">
             <a:avLst/>
@@ -10029,20 +10819,20 @@
           <a:noFill/>
         </p:spPr>
         <p:txBody>
-          <a:bodyPr wrap="none" rtlCol="0">
+          <a:bodyPr wrap="square" rtlCol="0">
             <a:spAutoFit/>
           </a:bodyPr>
           <a:lstStyle/>
           <a:p>
             <a:r>
-              <a:rPr lang="en-US" altLang="vi-VN" sz="3200" b="1" i="1" spc="100">
+              <a:rPr lang="en-US" sz="3200" b="1" i="1" spc="100">
                 <a:solidFill>
                   <a:srgbClr val="FF0000"/>
                 </a:solidFill>
                 <a:ea typeface="Open Sans ExtraBold" panose="020B0906030804020204" pitchFamily="34" charset="0"/>
                 <a:cs typeface="Arial" panose="020B0604020202020204" pitchFamily="34" charset="0"/>
               </a:rPr>
-              <a:t>4</a:t>
+              <a:t>3</a:t>
             </a:r>
             <a:r>
               <a:rPr lang="vi-VN" sz="3200" b="1" i="1" spc="100">
@@ -10070,17 +10860,8 @@
                 <a:ea typeface="Open Sans ExtraBold" panose="020B0906030804020204" pitchFamily="34" charset="0"/>
                 <a:cs typeface="Arial" panose="020B0604020202020204" pitchFamily="34" charset="0"/>
               </a:rPr>
-              <a:t>Thiết kế hệ thống:</a:t>
-            </a:r>
-            <a:endParaRPr lang="en-US" sz="3200" b="1" i="1" spc="100">
-              <a:solidFill>
-                <a:srgbClr val="FF0000"/>
-              </a:solidFill>
-              <a:ea typeface="Open Sans ExtraBold" panose="020B0906030804020204" pitchFamily="34" charset="0"/>
-              <a:cs typeface="Arial" panose="020B0604020202020204" pitchFamily="34" charset="0"/>
-            </a:endParaRPr>
-          </a:p>
-          <a:p>
+              <a:t>Công nghệ sử dụng</a:t>
+            </a:r>
             <a:endParaRPr lang="en-ID" sz="3200" b="1" i="1" spc="100">
               <a:solidFill>
                 <a:srgbClr val="FF0000"/>
@@ -10091,41 +10872,377 @@
           </a:p>
         </p:txBody>
       </p:sp>
+      <p:sp>
+        <p:nvSpPr>
+          <p:cNvPr id="11" name="TextBox 10"/>
+          <p:cNvSpPr txBox="1"/>
+          <p:nvPr/>
+        </p:nvSpPr>
+        <p:spPr>
+          <a:xfrm>
+            <a:off x="430530" y="1149350"/>
+            <a:ext cx="3348990" cy="586105"/>
+          </a:xfrm>
+          <a:prstGeom prst="rect">
+            <a:avLst/>
+          </a:prstGeom>
+          <a:noFill/>
+        </p:spPr>
+        <p:txBody>
+          <a:bodyPr wrap="square" rtlCol="0">
+            <a:spAutoFit/>
+          </a:bodyPr>
+          <a:lstStyle/>
+          <a:p>
+            <a:pPr lvl="0" indent="0" algn="just">
+              <a:lnSpc>
+                <a:spcPct val="115000"/>
+              </a:lnSpc>
+              <a:buFont typeface="Arial" panose="020B0604020202020204" pitchFamily="34" charset="0"/>
+              <a:buNone/>
+            </a:pPr>
+            <a:r>
+              <a:rPr lang="en-US" altLang="en-ID" sz="2800" b="1" spc="100">
+                <a:solidFill>
+                  <a:schemeClr val="tx1"/>
+                </a:solidFill>
+                <a:latin typeface="+mj-lt"/>
+                <a:ea typeface="Open Sans SemiBold" panose="020B0706030804020204" pitchFamily="34" charset="0"/>
+                <a:cs typeface="Times New Roman" panose="02020603050405020304" pitchFamily="18" charset="0"/>
+              </a:rPr>
+              <a:t>BACKEND :</a:t>
+            </a:r>
+            <a:endParaRPr lang="en-US" altLang="en-ID" sz="2800" b="1" spc="100">
+              <a:solidFill>
+                <a:schemeClr val="tx1"/>
+              </a:solidFill>
+              <a:latin typeface="+mj-lt"/>
+              <a:ea typeface="Open Sans SemiBold" panose="020B0706030804020204" pitchFamily="34" charset="0"/>
+              <a:cs typeface="Times New Roman" panose="02020603050405020304" pitchFamily="18" charset="0"/>
+            </a:endParaRPr>
+          </a:p>
+        </p:txBody>
+      </p:sp>
+      <p:sp>
+        <p:nvSpPr>
+          <p:cNvPr id="8" name="TextBox 10"/>
+          <p:cNvSpPr txBox="1"/>
+          <p:nvPr/>
+        </p:nvSpPr>
+        <p:spPr>
+          <a:xfrm>
+            <a:off x="1083945" y="2054225"/>
+            <a:ext cx="2485390" cy="586105"/>
+          </a:xfrm>
+          <a:prstGeom prst="rect">
+            <a:avLst/>
+          </a:prstGeom>
+          <a:noFill/>
+        </p:spPr>
+        <p:txBody>
+          <a:bodyPr wrap="square" rtlCol="0">
+            <a:spAutoFit/>
+          </a:bodyPr>
+          <a:p>
+            <a:pPr lvl="0" indent="0" algn="just">
+              <a:lnSpc>
+                <a:spcPct val="115000"/>
+              </a:lnSpc>
+              <a:buFont typeface="Arial" panose="020B0604020202020204" pitchFamily="34" charset="0"/>
+              <a:buNone/>
+            </a:pPr>
+            <a:r>
+              <a:rPr lang="en-US" altLang="en-ID" sz="2800" b="1" spc="100">
+                <a:solidFill>
+                  <a:schemeClr val="tx1"/>
+                </a:solidFill>
+                <a:latin typeface="+mj-lt"/>
+                <a:ea typeface="Open Sans SemiBold" panose="020B0706030804020204" pitchFamily="34" charset="0"/>
+                <a:cs typeface="Times New Roman" panose="02020603050405020304" pitchFamily="18" charset="0"/>
+              </a:rPr>
+              <a:t>+ NodeJs</a:t>
+            </a:r>
+            <a:endParaRPr lang="en-US" altLang="en-ID" sz="2800" b="1" spc="100">
+              <a:solidFill>
+                <a:schemeClr val="tx1"/>
+              </a:solidFill>
+              <a:latin typeface="+mj-lt"/>
+              <a:ea typeface="Open Sans SemiBold" panose="020B0706030804020204" pitchFamily="34" charset="0"/>
+              <a:cs typeface="Times New Roman" panose="02020603050405020304" pitchFamily="18" charset="0"/>
+            </a:endParaRPr>
+          </a:p>
+        </p:txBody>
+      </p:sp>
+      <p:sp>
+        <p:nvSpPr>
+          <p:cNvPr id="9" name="TextBox 10"/>
+          <p:cNvSpPr txBox="1"/>
+          <p:nvPr/>
+        </p:nvSpPr>
+        <p:spPr>
+          <a:xfrm>
+            <a:off x="1083945" y="2959100"/>
+            <a:ext cx="2485390" cy="586105"/>
+          </a:xfrm>
+          <a:prstGeom prst="rect">
+            <a:avLst/>
+          </a:prstGeom>
+          <a:noFill/>
+        </p:spPr>
+        <p:txBody>
+          <a:bodyPr wrap="square" rtlCol="0">
+            <a:spAutoFit/>
+          </a:bodyPr>
+          <a:p>
+            <a:pPr lvl="0" indent="0" algn="just">
+              <a:lnSpc>
+                <a:spcPct val="115000"/>
+              </a:lnSpc>
+              <a:buFont typeface="Arial" panose="020B0604020202020204" pitchFamily="34" charset="0"/>
+              <a:buNone/>
+            </a:pPr>
+            <a:r>
+              <a:rPr lang="en-US" altLang="en-ID" sz="2800" b="1" spc="100">
+                <a:solidFill>
+                  <a:schemeClr val="tx1"/>
+                </a:solidFill>
+                <a:latin typeface="+mj-lt"/>
+                <a:ea typeface="Open Sans SemiBold" panose="020B0706030804020204" pitchFamily="34" charset="0"/>
+                <a:cs typeface="Times New Roman" panose="02020603050405020304" pitchFamily="18" charset="0"/>
+              </a:rPr>
+              <a:t>+ ExpressJs</a:t>
+            </a:r>
+            <a:endParaRPr lang="en-US" altLang="en-ID" sz="2800" b="1" spc="100">
+              <a:solidFill>
+                <a:schemeClr val="tx1"/>
+              </a:solidFill>
+              <a:latin typeface="+mj-lt"/>
+              <a:ea typeface="Open Sans SemiBold" panose="020B0706030804020204" pitchFamily="34" charset="0"/>
+              <a:cs typeface="Times New Roman" panose="02020603050405020304" pitchFamily="18" charset="0"/>
+            </a:endParaRPr>
+          </a:p>
+        </p:txBody>
+      </p:sp>
+      <p:sp>
+        <p:nvSpPr>
+          <p:cNvPr id="2" name="Rectangle 1"/>
+          <p:cNvSpPr/>
+          <p:nvPr/>
+        </p:nvSpPr>
+        <p:spPr>
+          <a:xfrm>
+            <a:off x="7391163" y="363797"/>
+            <a:ext cx="4631293" cy="1371600"/>
+          </a:xfrm>
+          <a:prstGeom prst="rect">
+            <a:avLst/>
+          </a:prstGeom>
+          <a:blipFill>
+            <a:blip r:embed="rId1"/>
+            <a:srcRect/>
+            <a:stretch>
+              <a:fillRect t="-11362" b="-11362"/>
+            </a:stretch>
+          </a:blipFill>
+          <a:ln>
+            <a:noFill/>
+          </a:ln>
+        </p:spPr>
+        <p:style>
+          <a:lnRef idx="2">
+            <a:schemeClr val="accent1">
+              <a:shade val="50000"/>
+            </a:schemeClr>
+          </a:lnRef>
+          <a:fillRef idx="1">
+            <a:schemeClr val="accent1"/>
+          </a:fillRef>
+          <a:effectRef idx="0">
+            <a:schemeClr val="accent1"/>
+          </a:effectRef>
+          <a:fontRef idx="minor">
+            <a:schemeClr val="lt1"/>
+          </a:fontRef>
+        </p:style>
+        <p:txBody>
+          <a:bodyPr rtlCol="0" anchor="ctr"/>
+          <a:p>
+            <a:pPr algn="ctr"/>
+            <a:endParaRPr lang="en-US"/>
+          </a:p>
+        </p:txBody>
+      </p:sp>
+      <p:sp>
+        <p:nvSpPr>
+          <p:cNvPr id="19" name="Rectangle 18"/>
+          <p:cNvSpPr/>
+          <p:nvPr/>
+        </p:nvSpPr>
+        <p:spPr>
+          <a:xfrm>
+            <a:off x="7391519" y="2448055"/>
+            <a:ext cx="4631293" cy="1371600"/>
+          </a:xfrm>
+          <a:prstGeom prst="rect">
+            <a:avLst/>
+          </a:prstGeom>
+          <a:blipFill>
+            <a:blip r:embed="rId2"/>
+            <a:srcRect/>
+            <a:stretch>
+              <a:fillRect t="-28083" b="-28083"/>
+            </a:stretch>
+          </a:blipFill>
+          <a:ln>
+            <a:noFill/>
+          </a:ln>
+        </p:spPr>
+        <p:style>
+          <a:lnRef idx="2">
+            <a:schemeClr val="accent1">
+              <a:shade val="50000"/>
+            </a:schemeClr>
+          </a:lnRef>
+          <a:fillRef idx="1">
+            <a:schemeClr val="accent1"/>
+          </a:fillRef>
+          <a:effectRef idx="0">
+            <a:schemeClr val="accent1"/>
+          </a:effectRef>
+          <a:fontRef idx="minor">
+            <a:schemeClr val="lt1"/>
+          </a:fontRef>
+        </p:style>
+        <p:txBody>
+          <a:bodyPr rtlCol="0" anchor="ctr"/>
+          <a:p>
+            <a:pPr algn="ctr"/>
+            <a:endParaRPr lang="en-US"/>
+          </a:p>
+        </p:txBody>
+      </p:sp>
+      <p:sp>
+        <p:nvSpPr>
+          <p:cNvPr id="3" name="TextBox 10"/>
+          <p:cNvSpPr txBox="1"/>
+          <p:nvPr/>
+        </p:nvSpPr>
+        <p:spPr>
+          <a:xfrm>
+            <a:off x="430530" y="4308475"/>
+            <a:ext cx="3348990" cy="586105"/>
+          </a:xfrm>
+          <a:prstGeom prst="rect">
+            <a:avLst/>
+          </a:prstGeom>
+          <a:noFill/>
+        </p:spPr>
+        <p:txBody>
+          <a:bodyPr wrap="square" rtlCol="0">
+            <a:spAutoFit/>
+          </a:bodyPr>
+          <a:p>
+            <a:pPr lvl="0" indent="0" algn="just">
+              <a:lnSpc>
+                <a:spcPct val="115000"/>
+              </a:lnSpc>
+              <a:buFont typeface="Arial" panose="020B0604020202020204" pitchFamily="34" charset="0"/>
+              <a:buNone/>
+            </a:pPr>
+            <a:r>
+              <a:rPr lang="en-US" altLang="en-ID" sz="2800" b="1" spc="100">
+                <a:solidFill>
+                  <a:schemeClr val="tx1"/>
+                </a:solidFill>
+                <a:latin typeface="+mj-lt"/>
+                <a:ea typeface="Open Sans SemiBold" panose="020B0706030804020204" pitchFamily="34" charset="0"/>
+                <a:cs typeface="Times New Roman" panose="02020603050405020304" pitchFamily="18" charset="0"/>
+              </a:rPr>
+              <a:t>DATABASE :</a:t>
+            </a:r>
+            <a:endParaRPr lang="en-US" altLang="en-ID" sz="2800" b="1" spc="100">
+              <a:solidFill>
+                <a:schemeClr val="tx1"/>
+              </a:solidFill>
+              <a:latin typeface="+mj-lt"/>
+              <a:ea typeface="Open Sans SemiBold" panose="020B0706030804020204" pitchFamily="34" charset="0"/>
+              <a:cs typeface="Times New Roman" panose="02020603050405020304" pitchFamily="18" charset="0"/>
+            </a:endParaRPr>
+          </a:p>
+        </p:txBody>
+      </p:sp>
       <p:pic>
         <p:nvPicPr>
-          <p:cNvPr id="426430826" name="Picture 7" descr="Nhom1_TracNghiemTiengAnhLop11-UseCase Tổng quát.drawio"/>
-          <p:cNvPicPr>
-            <a:picLocks noChangeAspect="1" noChangeArrowheads="1"/>
-          </p:cNvPicPr>
+          <p:cNvPr id="7" name="Picture 6"/>
+          <p:cNvPicPr/>
           <p:nvPr/>
         </p:nvPicPr>
         <p:blipFill>
-          <a:blip r:embed="rId1">
-            <a:extLst>
-              <a:ext uri="{28A0092B-C50C-407E-A947-70E740481C1C}">
-                <a14:useLocalDpi xmlns:a14="http://schemas.microsoft.com/office/drawing/2010/main" val="0"/>
-              </a:ext>
-            </a:extLst>
-          </a:blip>
-          <a:srcRect/>
+          <a:blip r:embed="rId3"/>
           <a:stretch>
             <a:fillRect/>
           </a:stretch>
         </p:blipFill>
         <p:spPr>
           <a:xfrm>
-            <a:off x="2359025" y="977265"/>
-            <a:ext cx="7474585" cy="5382260"/>
+            <a:off x="7679055" y="4130040"/>
+            <a:ext cx="4055745" cy="2096135"/>
+          </a:xfrm>
+          <a:prstGeom prst="rect">
+            <a:avLst/>
+          </a:prstGeom>
+        </p:spPr>
+      </p:pic>
+      <p:sp>
+        <p:nvSpPr>
+          <p:cNvPr id="12" name="TextBox 10"/>
+          <p:cNvSpPr txBox="1"/>
+          <p:nvPr/>
+        </p:nvSpPr>
+        <p:spPr>
+          <a:xfrm>
+            <a:off x="1210945" y="5288915"/>
+            <a:ext cx="2485390" cy="586105"/>
           </a:xfrm>
           <a:prstGeom prst="rect">
             <a:avLst/>
           </a:prstGeom>
           <a:noFill/>
-          <a:ln>
-            <a:noFill/>
-          </a:ln>
         </p:spPr>
-      </p:pic>
+        <p:txBody>
+          <a:bodyPr wrap="square" rtlCol="0">
+            <a:spAutoFit/>
+          </a:bodyPr>
+          <a:p>
+            <a:pPr lvl="0" indent="0" algn="just">
+              <a:lnSpc>
+                <a:spcPct val="115000"/>
+              </a:lnSpc>
+              <a:buFont typeface="Arial" panose="020B0604020202020204" pitchFamily="34" charset="0"/>
+              <a:buNone/>
+            </a:pPr>
+            <a:r>
+              <a:rPr lang="en-US" altLang="en-ID" sz="2800" b="1" spc="100">
+                <a:solidFill>
+                  <a:schemeClr val="tx1"/>
+                </a:solidFill>
+                <a:latin typeface="+mj-lt"/>
+                <a:ea typeface="Open Sans SemiBold" panose="020B0706030804020204" pitchFamily="34" charset="0"/>
+                <a:cs typeface="Times New Roman" panose="02020603050405020304" pitchFamily="18" charset="0"/>
+              </a:rPr>
+              <a:t>+ MongoDB</a:t>
+            </a:r>
+            <a:endParaRPr lang="en-US" altLang="en-ID" sz="2800" b="1" spc="100">
+              <a:solidFill>
+                <a:schemeClr val="tx1"/>
+              </a:solidFill>
+              <a:latin typeface="+mj-lt"/>
+              <a:ea typeface="Open Sans SemiBold" panose="020B0706030804020204" pitchFamily="34" charset="0"/>
+              <a:cs typeface="Times New Roman" panose="02020603050405020304" pitchFamily="18" charset="0"/>
+            </a:endParaRPr>
+          </a:p>
+        </p:txBody>
+      </p:sp>
     </p:spTree>
   </p:cSld>
   <p:clrMapOvr>
@@ -10159,8 +11276,8 @@
         </p:nvSpPr>
         <p:spPr>
           <a:xfrm>
-            <a:off x="-1102404" y="0"/>
-            <a:ext cx="8251473" cy="6858000"/>
+            <a:off x="0" y="0"/>
+            <a:ext cx="7149069" cy="6858000"/>
           </a:xfrm>
           <a:prstGeom prst="rect">
             <a:avLst/>
@@ -10205,8 +11322,8 @@
         </p:nvSpPr>
         <p:spPr>
           <a:xfrm>
-            <a:off x="1554480" y="2115185"/>
-            <a:ext cx="7542530" cy="2627630"/>
+            <a:off x="169306" y="403339"/>
+            <a:ext cx="11853387" cy="583565"/>
           </a:xfrm>
           <a:prstGeom prst="rect">
             <a:avLst/>
@@ -10214,23 +11331,23 @@
           <a:noFill/>
         </p:spPr>
         <p:txBody>
-          <a:bodyPr wrap="none" rtlCol="0">
-            <a:noAutofit/>
+          <a:bodyPr wrap="square" rtlCol="0">
+            <a:spAutoFit/>
           </a:bodyPr>
           <a:lstStyle/>
           <a:p>
             <a:r>
-              <a:rPr lang="en-US" sz="8000" b="1" i="1" spc="100">
+              <a:rPr lang="en-US" sz="3200" b="1" i="1" spc="100">
                 <a:solidFill>
                   <a:srgbClr val="FF0000"/>
                 </a:solidFill>
                 <a:ea typeface="Open Sans ExtraBold" panose="020B0906030804020204" pitchFamily="34" charset="0"/>
                 <a:cs typeface="Arial" panose="020B0604020202020204" pitchFamily="34" charset="0"/>
               </a:rPr>
-              <a:t>5</a:t>
-            </a:r>
-            <a:r>
-              <a:rPr lang="vi-VN" sz="8000" b="1" i="1" spc="100">
+              <a:t>3</a:t>
+            </a:r>
+            <a:r>
+              <a:rPr lang="vi-VN" sz="3200" b="1" i="1" spc="100">
                 <a:solidFill>
                   <a:srgbClr val="FF0000"/>
                 </a:solidFill>
@@ -10240,27 +11357,298 @@
               <a:t>.</a:t>
             </a:r>
             <a:r>
-              <a:rPr lang="en-US" sz="8000" b="1" i="1" spc="100">
+              <a:rPr lang="en-US" sz="1800" b="1">
+                <a:effectLst/>
+                <a:latin typeface="Times New Roman" panose="02020603050405020304" pitchFamily="18" charset="0"/>
+                <a:ea typeface="Times New Roman" panose="02020603050405020304" pitchFamily="18" charset="0"/>
+              </a:rPr>
+              <a:t> </a:t>
+            </a:r>
+            <a:r>
+              <a:rPr lang="en-US" sz="3200" b="1" i="1" spc="100">
                 <a:solidFill>
                   <a:srgbClr val="FF0000"/>
                 </a:solidFill>
-                <a:latin typeface="Times New Roman" panose="02020603050405020304" pitchFamily="18" charset="0"/>
                 <a:ea typeface="Open Sans ExtraBold" panose="020B0906030804020204" pitchFamily="34" charset="0"/>
                 <a:cs typeface="Arial" panose="020B0604020202020204" pitchFamily="34" charset="0"/>
               </a:rPr>
-              <a:t> Demo sản phẩm</a:t>
-            </a:r>
-            <a:endParaRPr lang="en-US" sz="8000" b="1" i="1" spc="100">
+              <a:t>Công nghệ sử dụng</a:t>
+            </a:r>
+            <a:endParaRPr lang="en-ID" sz="3200" b="1" i="1" spc="100">
               <a:solidFill>
                 <a:srgbClr val="FF0000"/>
               </a:solidFill>
-              <a:latin typeface="Times New Roman" panose="02020603050405020304" pitchFamily="18" charset="0"/>
               <a:ea typeface="Open Sans ExtraBold" panose="020B0906030804020204" pitchFamily="34" charset="0"/>
               <a:cs typeface="Arial" panose="020B0604020202020204" pitchFamily="34" charset="0"/>
             </a:endParaRPr>
           </a:p>
         </p:txBody>
       </p:sp>
+      <p:sp>
+        <p:nvSpPr>
+          <p:cNvPr id="11" name="TextBox 10"/>
+          <p:cNvSpPr txBox="1"/>
+          <p:nvPr/>
+        </p:nvSpPr>
+        <p:spPr>
+          <a:xfrm>
+            <a:off x="430530" y="1149350"/>
+            <a:ext cx="3348990" cy="586105"/>
+          </a:xfrm>
+          <a:prstGeom prst="rect">
+            <a:avLst/>
+          </a:prstGeom>
+          <a:noFill/>
+        </p:spPr>
+        <p:txBody>
+          <a:bodyPr wrap="square" rtlCol="0">
+            <a:spAutoFit/>
+          </a:bodyPr>
+          <a:lstStyle/>
+          <a:p>
+            <a:pPr lvl="0" indent="0" algn="just">
+              <a:lnSpc>
+                <a:spcPct val="115000"/>
+              </a:lnSpc>
+              <a:buFont typeface="Arial" panose="020B0604020202020204" pitchFamily="34" charset="0"/>
+              <a:buNone/>
+            </a:pPr>
+            <a:r>
+              <a:rPr lang="en-US" altLang="en-ID" sz="2800" b="1" spc="100">
+                <a:solidFill>
+                  <a:schemeClr val="tx1"/>
+                </a:solidFill>
+                <a:latin typeface="+mj-lt"/>
+                <a:ea typeface="Open Sans SemiBold" panose="020B0706030804020204" pitchFamily="34" charset="0"/>
+                <a:cs typeface="Times New Roman" panose="02020603050405020304" pitchFamily="18" charset="0"/>
+              </a:rPr>
+              <a:t>Các công cụ khác :</a:t>
+            </a:r>
+            <a:endParaRPr lang="en-US" altLang="en-ID" sz="2800" b="1" spc="100">
+              <a:solidFill>
+                <a:schemeClr val="tx1"/>
+              </a:solidFill>
+              <a:latin typeface="+mj-lt"/>
+              <a:ea typeface="Open Sans SemiBold" panose="020B0706030804020204" pitchFamily="34" charset="0"/>
+              <a:cs typeface="Times New Roman" panose="02020603050405020304" pitchFamily="18" charset="0"/>
+            </a:endParaRPr>
+          </a:p>
+        </p:txBody>
+      </p:sp>
+      <p:sp>
+        <p:nvSpPr>
+          <p:cNvPr id="8" name="TextBox 10"/>
+          <p:cNvSpPr txBox="1"/>
+          <p:nvPr/>
+        </p:nvSpPr>
+        <p:spPr>
+          <a:xfrm>
+            <a:off x="1083945" y="2054225"/>
+            <a:ext cx="3971925" cy="586105"/>
+          </a:xfrm>
+          <a:prstGeom prst="rect">
+            <a:avLst/>
+          </a:prstGeom>
+          <a:noFill/>
+        </p:spPr>
+        <p:txBody>
+          <a:bodyPr wrap="square" rtlCol="0">
+            <a:spAutoFit/>
+          </a:bodyPr>
+          <a:p>
+            <a:pPr lvl="0" indent="0" algn="just">
+              <a:lnSpc>
+                <a:spcPct val="115000"/>
+              </a:lnSpc>
+              <a:buFont typeface="Arial" panose="020B0604020202020204" pitchFamily="34" charset="0"/>
+              <a:buNone/>
+            </a:pPr>
+            <a:r>
+              <a:rPr lang="en-US" altLang="en-ID" sz="2800" b="1" spc="100">
+                <a:latin typeface="+mj-lt"/>
+                <a:ea typeface="Open Sans SemiBold" panose="020B0706030804020204" pitchFamily="34" charset="0"/>
+                <a:cs typeface="Times New Roman" panose="02020603050405020304" pitchFamily="18" charset="0"/>
+                <a:sym typeface="+mn-ea"/>
+              </a:rPr>
+              <a:t>+ Postman</a:t>
+            </a:r>
+            <a:endParaRPr lang="en-US" altLang="en-ID" sz="2800" b="1" spc="100">
+              <a:solidFill>
+                <a:schemeClr val="tx1"/>
+              </a:solidFill>
+              <a:latin typeface="+mj-lt"/>
+              <a:ea typeface="Open Sans SemiBold" panose="020B0706030804020204" pitchFamily="34" charset="0"/>
+              <a:cs typeface="Times New Roman" panose="02020603050405020304" pitchFamily="18" charset="0"/>
+            </a:endParaRPr>
+          </a:p>
+        </p:txBody>
+      </p:sp>
+      <p:sp>
+        <p:nvSpPr>
+          <p:cNvPr id="9" name="TextBox 10"/>
+          <p:cNvSpPr txBox="1"/>
+          <p:nvPr/>
+        </p:nvSpPr>
+        <p:spPr>
+          <a:xfrm>
+            <a:off x="1083945" y="3135630"/>
+            <a:ext cx="2485390" cy="586105"/>
+          </a:xfrm>
+          <a:prstGeom prst="rect">
+            <a:avLst/>
+          </a:prstGeom>
+          <a:noFill/>
+        </p:spPr>
+        <p:txBody>
+          <a:bodyPr wrap="square" rtlCol="0">
+            <a:spAutoFit/>
+          </a:bodyPr>
+          <a:p>
+            <a:pPr lvl="0" indent="0" algn="just">
+              <a:lnSpc>
+                <a:spcPct val="115000"/>
+              </a:lnSpc>
+              <a:buFont typeface="Arial" panose="020B0604020202020204" pitchFamily="34" charset="0"/>
+              <a:buNone/>
+            </a:pPr>
+            <a:r>
+              <a:rPr lang="en-US" altLang="en-ID" sz="2800" b="1" spc="100">
+                <a:solidFill>
+                  <a:schemeClr val="tx1"/>
+                </a:solidFill>
+                <a:latin typeface="+mj-lt"/>
+                <a:ea typeface="Open Sans SemiBold" panose="020B0706030804020204" pitchFamily="34" charset="0"/>
+                <a:cs typeface="Times New Roman" panose="02020603050405020304" pitchFamily="18" charset="0"/>
+              </a:rPr>
+              <a:t>+ Gemini API</a:t>
+            </a:r>
+            <a:endParaRPr lang="en-US" altLang="en-ID" sz="2800" b="1" spc="100">
+              <a:solidFill>
+                <a:schemeClr val="tx1"/>
+              </a:solidFill>
+              <a:latin typeface="+mj-lt"/>
+              <a:ea typeface="Open Sans SemiBold" panose="020B0706030804020204" pitchFamily="34" charset="0"/>
+              <a:cs typeface="Times New Roman" panose="02020603050405020304" pitchFamily="18" charset="0"/>
+            </a:endParaRPr>
+          </a:p>
+        </p:txBody>
+      </p:sp>
+      <p:sp>
+        <p:nvSpPr>
+          <p:cNvPr id="4" name="TextBox 10"/>
+          <p:cNvSpPr txBox="1"/>
+          <p:nvPr/>
+        </p:nvSpPr>
+        <p:spPr>
+          <a:xfrm>
+            <a:off x="1083945" y="4234815"/>
+            <a:ext cx="2485390" cy="586105"/>
+          </a:xfrm>
+          <a:prstGeom prst="rect">
+            <a:avLst/>
+          </a:prstGeom>
+          <a:noFill/>
+        </p:spPr>
+        <p:txBody>
+          <a:bodyPr wrap="square" rtlCol="0">
+            <a:spAutoFit/>
+          </a:bodyPr>
+          <a:p>
+            <a:pPr lvl="0" indent="0" algn="just">
+              <a:lnSpc>
+                <a:spcPct val="115000"/>
+              </a:lnSpc>
+              <a:buFont typeface="Arial" panose="020B0604020202020204" pitchFamily="34" charset="0"/>
+              <a:buNone/>
+            </a:pPr>
+            <a:r>
+              <a:rPr lang="en-US" altLang="en-ID" sz="2800" b="1" spc="100">
+                <a:solidFill>
+                  <a:schemeClr val="tx1"/>
+                </a:solidFill>
+                <a:latin typeface="+mj-lt"/>
+                <a:ea typeface="Open Sans SemiBold" panose="020B0706030804020204" pitchFamily="34" charset="0"/>
+                <a:cs typeface="Times New Roman" panose="02020603050405020304" pitchFamily="18" charset="0"/>
+              </a:rPr>
+              <a:t>+ Cloudinary</a:t>
+            </a:r>
+            <a:endParaRPr lang="en-US" altLang="en-ID" sz="2800" b="1" spc="100">
+              <a:solidFill>
+                <a:schemeClr val="tx1"/>
+              </a:solidFill>
+              <a:latin typeface="+mj-lt"/>
+              <a:ea typeface="Open Sans SemiBold" panose="020B0706030804020204" pitchFamily="34" charset="0"/>
+              <a:cs typeface="Times New Roman" panose="02020603050405020304" pitchFamily="18" charset="0"/>
+            </a:endParaRPr>
+          </a:p>
+        </p:txBody>
+      </p:sp>
+      <p:pic>
+        <p:nvPicPr>
+          <p:cNvPr id="6" name="Picture 5"/>
+          <p:cNvPicPr/>
+          <p:nvPr/>
+        </p:nvPicPr>
+        <p:blipFill>
+          <a:blip r:embed="rId1"/>
+          <a:stretch>
+            <a:fillRect/>
+          </a:stretch>
+        </p:blipFill>
+        <p:spPr>
+          <a:xfrm>
+            <a:off x="7557770" y="259715"/>
+            <a:ext cx="3792855" cy="2380615"/>
+          </a:xfrm>
+          <a:prstGeom prst="rect">
+            <a:avLst/>
+          </a:prstGeom>
+        </p:spPr>
+      </p:pic>
+      <p:pic>
+        <p:nvPicPr>
+          <p:cNvPr id="10" name="Picture 9"/>
+          <p:cNvPicPr/>
+          <p:nvPr/>
+        </p:nvPicPr>
+        <p:blipFill>
+          <a:blip r:embed="rId2"/>
+          <a:stretch>
+            <a:fillRect/>
+          </a:stretch>
+        </p:blipFill>
+        <p:spPr>
+          <a:xfrm>
+            <a:off x="7673340" y="2750820"/>
+            <a:ext cx="3858260" cy="1356995"/>
+          </a:xfrm>
+          <a:prstGeom prst="rect">
+            <a:avLst/>
+          </a:prstGeom>
+        </p:spPr>
+      </p:pic>
+      <p:pic>
+        <p:nvPicPr>
+          <p:cNvPr id="13" name="Picture 12"/>
+          <p:cNvPicPr/>
+          <p:nvPr/>
+        </p:nvPicPr>
+        <p:blipFill>
+          <a:blip r:embed="rId3"/>
+          <a:stretch>
+            <a:fillRect/>
+          </a:stretch>
+        </p:blipFill>
+        <p:spPr>
+          <a:xfrm>
+            <a:off x="8287385" y="4372610"/>
+            <a:ext cx="2333625" cy="2229485"/>
+          </a:xfrm>
+          <a:prstGeom prst="rect">
+            <a:avLst/>
+          </a:prstGeom>
+        </p:spPr>
+      </p:pic>
     </p:spTree>
   </p:cSld>
   <p:clrMapOvr>
@@ -10288,195 +11676,293 @@
       </p:grpSpPr>
       <p:sp>
         <p:nvSpPr>
-          <p:cNvPr id="3" name="Rectangle 2"/>
-          <p:cNvSpPr/>
+          <p:cNvPr id="20" name="TextBox 19"/>
+          <p:cNvSpPr txBox="1"/>
           <p:nvPr/>
         </p:nvSpPr>
         <p:spPr>
           <a:xfrm>
-            <a:off x="0" y="0"/>
-            <a:ext cx="3102015" cy="6858000"/>
+            <a:off x="218047" y="233788"/>
+            <a:ext cx="3850005" cy="1076325"/>
           </a:xfrm>
           <a:prstGeom prst="rect">
             <a:avLst/>
           </a:prstGeom>
-          <a:solidFill>
-            <a:schemeClr val="tx1">
-              <a:lumMod val="65000"/>
-              <a:lumOff val="35000"/>
-            </a:schemeClr>
-          </a:solidFill>
+          <a:noFill/>
+        </p:spPr>
+        <p:txBody>
+          <a:bodyPr wrap="none" rtlCol="0">
+            <a:spAutoFit/>
+          </a:bodyPr>
+          <a:lstStyle/>
+          <a:p>
+            <a:r>
+              <a:rPr lang="en-US" altLang="vi-VN" sz="3200" b="1" i="1" spc="100">
+                <a:solidFill>
+                  <a:srgbClr val="FF0000"/>
+                </a:solidFill>
+                <a:ea typeface="Open Sans ExtraBold" panose="020B0906030804020204" pitchFamily="34" charset="0"/>
+                <a:cs typeface="Arial" panose="020B0604020202020204" pitchFamily="34" charset="0"/>
+              </a:rPr>
+              <a:t>4</a:t>
+            </a:r>
+            <a:r>
+              <a:rPr lang="vi-VN" sz="3200" b="1" i="1" spc="100">
+                <a:solidFill>
+                  <a:srgbClr val="FF0000"/>
+                </a:solidFill>
+                <a:ea typeface="Open Sans ExtraBold" panose="020B0906030804020204" pitchFamily="34" charset="0"/>
+                <a:cs typeface="Arial" panose="020B0604020202020204" pitchFamily="34" charset="0"/>
+              </a:rPr>
+              <a:t>.</a:t>
+            </a:r>
+            <a:r>
+              <a:rPr lang="en-US" sz="1800" b="1">
+                <a:effectLst/>
+                <a:latin typeface="Times New Roman" panose="02020603050405020304" pitchFamily="18" charset="0"/>
+                <a:ea typeface="Times New Roman" panose="02020603050405020304" pitchFamily="18" charset="0"/>
+              </a:rPr>
+              <a:t> </a:t>
+            </a:r>
+            <a:r>
+              <a:rPr lang="en-US" sz="3200" b="1" i="1" spc="100">
+                <a:solidFill>
+                  <a:srgbClr val="FF0000"/>
+                </a:solidFill>
+                <a:ea typeface="Open Sans ExtraBold" panose="020B0906030804020204" pitchFamily="34" charset="0"/>
+                <a:cs typeface="Arial" panose="020B0604020202020204" pitchFamily="34" charset="0"/>
+              </a:rPr>
+              <a:t>Thiết kế hệ thống:</a:t>
+            </a:r>
+            <a:endParaRPr lang="en-US" sz="3200" b="1" i="1" spc="100">
+              <a:solidFill>
+                <a:srgbClr val="FF0000"/>
+              </a:solidFill>
+              <a:ea typeface="Open Sans ExtraBold" panose="020B0906030804020204" pitchFamily="34" charset="0"/>
+              <a:cs typeface="Arial" panose="020B0604020202020204" pitchFamily="34" charset="0"/>
+            </a:endParaRPr>
+          </a:p>
+          <a:p>
+            <a:endParaRPr lang="en-ID" sz="3200" b="1" i="1" spc="100">
+              <a:solidFill>
+                <a:srgbClr val="FF0000"/>
+              </a:solidFill>
+              <a:ea typeface="Open Sans ExtraBold" panose="020B0906030804020204" pitchFamily="34" charset="0"/>
+              <a:cs typeface="Arial" panose="020B0604020202020204" pitchFamily="34" charset="0"/>
+            </a:endParaRPr>
+          </a:p>
+        </p:txBody>
+      </p:sp>
+      <p:pic>
+        <p:nvPicPr>
+          <p:cNvPr id="426430826" name="Picture 7" descr="Nhom1_TracNghiemTiengAnhLop11-UseCase Tổng quát.drawio"/>
+          <p:cNvPicPr>
+            <a:picLocks noChangeAspect="1" noChangeArrowheads="1"/>
+          </p:cNvPicPr>
+          <p:nvPr/>
+        </p:nvPicPr>
+        <p:blipFill>
+          <a:blip r:embed="rId1">
+            <a:extLst>
+              <a:ext uri="{28A0092B-C50C-407E-A947-70E740481C1C}">
+                <a14:useLocalDpi xmlns:a14="http://schemas.microsoft.com/office/drawing/2010/main" val="0"/>
+              </a:ext>
+            </a:extLst>
+          </a:blip>
+          <a:srcRect/>
+          <a:stretch>
+            <a:fillRect/>
+          </a:stretch>
+        </p:blipFill>
+        <p:spPr>
+          <a:xfrm>
+            <a:off x="2359025" y="1021715"/>
+            <a:ext cx="7474585" cy="5382260"/>
+          </a:xfrm>
+          <a:prstGeom prst="rect">
+            <a:avLst/>
+          </a:prstGeom>
+          <a:noFill/>
           <a:ln>
             <a:noFill/>
           </a:ln>
         </p:spPr>
-        <p:style>
-          <a:lnRef idx="2">
-            <a:schemeClr val="accent1">
-              <a:shade val="50000"/>
-            </a:schemeClr>
-          </a:lnRef>
-          <a:fillRef idx="1">
-            <a:schemeClr val="accent1"/>
-          </a:fillRef>
-          <a:effectRef idx="0">
-            <a:schemeClr val="accent1"/>
-          </a:effectRef>
-          <a:fontRef idx="minor">
-            <a:schemeClr val="lt1"/>
-          </a:fontRef>
-        </p:style>
-        <p:txBody>
-          <a:bodyPr rtlCol="0" anchor="ctr"/>
-          <a:lstStyle/>
-          <a:p>
-            <a:pPr algn="ctr"/>
-            <a:endParaRPr lang="en-US"/>
-          </a:p>
-        </p:txBody>
-      </p:sp>
+      </p:pic>
       <p:sp>
         <p:nvSpPr>
-          <p:cNvPr id="8" name="Rectangle 7"/>
-          <p:cNvSpPr/>
+          <p:cNvPr id="11" name="TextBox 10"/>
+          <p:cNvSpPr txBox="1"/>
           <p:nvPr/>
         </p:nvSpPr>
         <p:spPr>
           <a:xfrm>
-            <a:off x="3102015" y="0"/>
-            <a:ext cx="2993985" cy="6858000"/>
+            <a:off x="430530" y="1149350"/>
+            <a:ext cx="3348990" cy="586105"/>
           </a:xfrm>
           <a:prstGeom prst="rect">
             <a:avLst/>
           </a:prstGeom>
-          <a:solidFill>
-            <a:schemeClr val="tx1">
-              <a:lumMod val="50000"/>
-              <a:lumOff val="50000"/>
-            </a:schemeClr>
-          </a:solidFill>
-          <a:ln>
-            <a:noFill/>
-          </a:ln>
+          <a:noFill/>
         </p:spPr>
-        <p:style>
-          <a:lnRef idx="2">
-            <a:schemeClr val="accent1">
-              <a:shade val="50000"/>
-            </a:schemeClr>
-          </a:lnRef>
-          <a:fillRef idx="1">
-            <a:schemeClr val="accent1"/>
-          </a:fillRef>
-          <a:effectRef idx="0">
-            <a:schemeClr val="accent1"/>
-          </a:effectRef>
-          <a:fontRef idx="minor">
-            <a:schemeClr val="lt1"/>
-          </a:fontRef>
-        </p:style>
         <p:txBody>
-          <a:bodyPr rtlCol="0" anchor="ctr"/>
-          <a:lstStyle/>
-          <a:p>
-            <a:pPr algn="ctr"/>
-            <a:endParaRPr lang="en-US"/>
+          <a:bodyPr wrap="square" rtlCol="0">
+            <a:spAutoFit/>
+          </a:bodyPr>
+          <a:p>
+            <a:pPr lvl="0" indent="0" algn="just">
+              <a:lnSpc>
+                <a:spcPct val="115000"/>
+              </a:lnSpc>
+              <a:buFont typeface="Arial" panose="020B0604020202020204" pitchFamily="34" charset="0"/>
+              <a:buNone/>
+            </a:pPr>
+            <a:r>
+              <a:rPr lang="en-US" altLang="en-ID" sz="2800" b="1" spc="100">
+                <a:solidFill>
+                  <a:schemeClr val="tx1"/>
+                </a:solidFill>
+                <a:latin typeface="+mj-lt"/>
+                <a:ea typeface="Open Sans SemiBold" panose="020B0706030804020204" pitchFamily="34" charset="0"/>
+                <a:cs typeface="Times New Roman" panose="02020603050405020304" pitchFamily="18" charset="0"/>
+              </a:rPr>
+              <a:t>Use Case:</a:t>
+            </a:r>
+            <a:endParaRPr lang="en-US" altLang="en-ID" sz="2800" b="1" spc="100">
+              <a:solidFill>
+                <a:schemeClr val="tx1"/>
+              </a:solidFill>
+              <a:latin typeface="+mj-lt"/>
+              <a:ea typeface="Open Sans SemiBold" panose="020B0706030804020204" pitchFamily="34" charset="0"/>
+              <a:cs typeface="Times New Roman" panose="02020603050405020304" pitchFamily="18" charset="0"/>
+            </a:endParaRPr>
           </a:p>
         </p:txBody>
       </p:sp>
+    </p:spTree>
+  </p:cSld>
+  <p:clrMapOvr>
+    <a:masterClrMapping/>
+  </p:clrMapOvr>
+</p:sld>
+</file>
+
+<file path=ppt/slides/slide9.xml><?xml version="1.0" encoding="utf-8"?>
+<p:sld xmlns:a="http://schemas.openxmlformats.org/drawingml/2006/main" xmlns:r="http://schemas.openxmlformats.org/officeDocument/2006/relationships" xmlns:p="http://schemas.openxmlformats.org/presentationml/2006/main">
+  <p:cSld>
+    <p:spTree>
+      <p:nvGrpSpPr>
+        <p:cNvPr id="1" name=""/>
+        <p:cNvGrpSpPr/>
+        <p:nvPr/>
+      </p:nvGrpSpPr>
+      <p:grpSpPr>
+        <a:xfrm>
+          <a:off x="0" y="0"/>
+          <a:ext cx="0" cy="0"/>
+          <a:chOff x="0" y="0"/>
+          <a:chExt cx="0" cy="0"/>
+        </a:xfrm>
+      </p:grpSpPr>
+      <p:pic>
+        <p:nvPicPr>
+          <p:cNvPr id="169710538" name="Picture 1"/>
+          <p:cNvPicPr>
+            <a:picLocks noChangeAspect="1"/>
+          </p:cNvPicPr>
+          <p:nvPr/>
+        </p:nvPicPr>
+        <p:blipFill>
+          <a:blip r:embed="rId1"/>
+          <a:stretch>
+            <a:fillRect/>
+          </a:stretch>
+        </p:blipFill>
+        <p:spPr>
+          <a:xfrm>
+            <a:off x="3737610" y="67310"/>
+            <a:ext cx="8454390" cy="6722745"/>
+          </a:xfrm>
+          <a:prstGeom prst="rect">
+            <a:avLst/>
+          </a:prstGeom>
+        </p:spPr>
+      </p:pic>
       <p:sp>
         <p:nvSpPr>
-          <p:cNvPr id="9" name="Rectangle 8"/>
-          <p:cNvSpPr/>
+          <p:cNvPr id="20" name="TextBox 19"/>
+          <p:cNvSpPr txBox="1"/>
           <p:nvPr/>
         </p:nvSpPr>
         <p:spPr>
           <a:xfrm>
-            <a:off x="6096000" y="0"/>
-            <a:ext cx="2993985" cy="6858000"/>
+            <a:off x="218047" y="233788"/>
+            <a:ext cx="3850005" cy="1076325"/>
           </a:xfrm>
           <a:prstGeom prst="rect">
             <a:avLst/>
           </a:prstGeom>
-          <a:solidFill>
-            <a:schemeClr val="bg2">
-              <a:lumMod val="75000"/>
-            </a:schemeClr>
-          </a:solidFill>
-          <a:ln>
-            <a:noFill/>
-          </a:ln>
+          <a:noFill/>
         </p:spPr>
-        <p:style>
-          <a:lnRef idx="2">
-            <a:schemeClr val="accent1">
-              <a:shade val="50000"/>
-            </a:schemeClr>
-          </a:lnRef>
-          <a:fillRef idx="1">
-            <a:schemeClr val="accent1"/>
-          </a:fillRef>
-          <a:effectRef idx="0">
-            <a:schemeClr val="accent1"/>
-          </a:effectRef>
-          <a:fontRef idx="minor">
-            <a:schemeClr val="lt1"/>
-          </a:fontRef>
-        </p:style>
         <p:txBody>
-          <a:bodyPr rtlCol="0" anchor="ctr"/>
+          <a:bodyPr wrap="none" rtlCol="0">
+            <a:spAutoFit/>
+          </a:bodyPr>
           <a:lstStyle/>
           <a:p>
-            <a:pPr algn="ctr"/>
-            <a:endParaRPr lang="en-US"/>
-          </a:p>
-        </p:txBody>
-      </p:sp>
-      <p:sp>
-        <p:nvSpPr>
-          <p:cNvPr id="10" name="Rectangle 9"/>
-          <p:cNvSpPr/>
-          <p:nvPr/>
-        </p:nvSpPr>
-        <p:spPr>
-          <a:xfrm>
-            <a:off x="9089985" y="0"/>
-            <a:ext cx="3102015" cy="6858000"/>
-          </a:xfrm>
-          <a:prstGeom prst="rect">
-            <a:avLst/>
-          </a:prstGeom>
-          <a:solidFill>
-            <a:schemeClr val="bg2">
-              <a:lumMod val="90000"/>
-            </a:schemeClr>
-          </a:solidFill>
-          <a:ln>
-            <a:noFill/>
-          </a:ln>
-        </p:spPr>
-        <p:style>
-          <a:lnRef idx="2">
-            <a:schemeClr val="accent1">
-              <a:shade val="50000"/>
-            </a:schemeClr>
-          </a:lnRef>
-          <a:fillRef idx="1">
-            <a:schemeClr val="accent1"/>
-          </a:fillRef>
-          <a:effectRef idx="0">
-            <a:schemeClr val="accent1"/>
-          </a:effectRef>
-          <a:fontRef idx="minor">
-            <a:schemeClr val="lt1"/>
-          </a:fontRef>
-        </p:style>
-        <p:txBody>
-          <a:bodyPr rtlCol="0" anchor="ctr"/>
-          <a:lstStyle/>
-          <a:p>
-            <a:pPr algn="ctr"/>
-            <a:endParaRPr lang="en-US"/>
+            <a:r>
+              <a:rPr lang="en-US" altLang="vi-VN" sz="3200" b="1" i="1" spc="100">
+                <a:solidFill>
+                  <a:srgbClr val="FF0000"/>
+                </a:solidFill>
+                <a:ea typeface="Open Sans ExtraBold" panose="020B0906030804020204" pitchFamily="34" charset="0"/>
+                <a:cs typeface="Arial" panose="020B0604020202020204" pitchFamily="34" charset="0"/>
+              </a:rPr>
+              <a:t>4</a:t>
+            </a:r>
+            <a:r>
+              <a:rPr lang="vi-VN" sz="3200" b="1" i="1" spc="100">
+                <a:solidFill>
+                  <a:srgbClr val="FF0000"/>
+                </a:solidFill>
+                <a:ea typeface="Open Sans ExtraBold" panose="020B0906030804020204" pitchFamily="34" charset="0"/>
+                <a:cs typeface="Arial" panose="020B0604020202020204" pitchFamily="34" charset="0"/>
+              </a:rPr>
+              <a:t>.</a:t>
+            </a:r>
+            <a:r>
+              <a:rPr lang="en-US" sz="1800" b="1">
+                <a:effectLst/>
+                <a:latin typeface="Times New Roman" panose="02020603050405020304" pitchFamily="18" charset="0"/>
+                <a:ea typeface="Times New Roman" panose="02020603050405020304" pitchFamily="18" charset="0"/>
+              </a:rPr>
+              <a:t> </a:t>
+            </a:r>
+            <a:r>
+              <a:rPr lang="en-US" sz="3200" b="1" i="1" spc="100">
+                <a:solidFill>
+                  <a:srgbClr val="FF0000"/>
+                </a:solidFill>
+                <a:ea typeface="Open Sans ExtraBold" panose="020B0906030804020204" pitchFamily="34" charset="0"/>
+                <a:cs typeface="Arial" panose="020B0604020202020204" pitchFamily="34" charset="0"/>
+              </a:rPr>
+              <a:t>Thiết kế hệ thống:</a:t>
+            </a:r>
+            <a:endParaRPr lang="en-US" sz="3200" b="1" i="1" spc="100">
+              <a:solidFill>
+                <a:srgbClr val="FF0000"/>
+              </a:solidFill>
+              <a:ea typeface="Open Sans ExtraBold" panose="020B0906030804020204" pitchFamily="34" charset="0"/>
+              <a:cs typeface="Arial" panose="020B0604020202020204" pitchFamily="34" charset="0"/>
+            </a:endParaRPr>
+          </a:p>
+          <a:p>
+            <a:endParaRPr lang="en-ID" sz="3200" b="1" i="1" spc="100">
+              <a:solidFill>
+                <a:srgbClr val="FF0000"/>
+              </a:solidFill>
+              <a:ea typeface="Open Sans ExtraBold" panose="020B0906030804020204" pitchFamily="34" charset="0"/>
+              <a:cs typeface="Arial" panose="020B0604020202020204" pitchFamily="34" charset="0"/>
+            </a:endParaRPr>
           </a:p>
         </p:txBody>
       </p:sp>
@@ -10488,8 +11974,8 @@
         </p:nvSpPr>
         <p:spPr>
           <a:xfrm>
-            <a:off x="474563" y="2222339"/>
-            <a:ext cx="12442784" cy="2646878"/>
+            <a:off x="109855" y="2592705"/>
+            <a:ext cx="2653665" cy="586105"/>
           </a:xfrm>
           <a:prstGeom prst="rect">
             <a:avLst/>
@@ -10500,22 +11986,32 @@
           <a:bodyPr wrap="square" rtlCol="0">
             <a:spAutoFit/>
           </a:bodyPr>
-          <a:lstStyle/>
-          <a:p>
-            <a:r>
-              <a:rPr lang="en-US" sz="16600">
+          <a:p>
+            <a:pPr lvl="0" indent="0" algn="just">
+              <a:lnSpc>
+                <a:spcPct val="115000"/>
+              </a:lnSpc>
+              <a:buFont typeface="Arial" panose="020B0604020202020204" pitchFamily="34" charset="0"/>
+              <a:buNone/>
+            </a:pPr>
+            <a:r>
+              <a:rPr lang="en-US" altLang="en-ID" sz="2800" b="1" spc="100">
                 <a:solidFill>
-                  <a:schemeClr val="bg1"/>
+                  <a:schemeClr val="tx1"/>
                 </a:solidFill>
-                <a:latin typeface="Montserrat" panose="00000500000000000000" pitchFamily="2" charset="0"/>
-              </a:rPr>
-              <a:t>Thank you</a:t>
-            </a:r>
-            <a:endParaRPr lang="en-US" sz="16600">
+                <a:latin typeface="+mj-lt"/>
+                <a:ea typeface="Open Sans SemiBold" panose="020B0706030804020204" pitchFamily="34" charset="0"/>
+                <a:cs typeface="Times New Roman" panose="02020603050405020304" pitchFamily="18" charset="0"/>
+              </a:rPr>
+              <a:t>Class Diagram:</a:t>
+            </a:r>
+            <a:endParaRPr lang="en-US" altLang="en-ID" sz="2800" b="1" spc="100">
               <a:solidFill>
-                <a:schemeClr val="bg1"/>
+                <a:schemeClr val="tx1"/>
               </a:solidFill>
-              <a:latin typeface="Montserrat" panose="00000500000000000000" pitchFamily="2" charset="0"/>
+              <a:latin typeface="+mj-lt"/>
+              <a:ea typeface="Open Sans SemiBold" panose="020B0706030804020204" pitchFamily="34" charset="0"/>
+              <a:cs typeface="Times New Roman" panose="02020603050405020304" pitchFamily="18" charset="0"/>
             </a:endParaRPr>
           </a:p>
         </p:txBody>
@@ -10525,18 +12021,6 @@
   <p:clrMapOvr>
     <a:masterClrMapping/>
   </p:clrMapOvr>
-  <mc:AlternateContent xmlns:mc="http://schemas.openxmlformats.org/markup-compatibility/2006" xmlns:p159="http://schemas.microsoft.com/office/powerpoint/2015/09/main">
-    <mc:Choice Requires="p159">
-      <p:transition xmlns:p14="http://schemas.microsoft.com/office/powerpoint/2010/main" spd="slow" p14:dur="2000">
-        <p159:morph option="byObject"/>
-      </p:transition>
-    </mc:Choice>
-    <mc:Fallback>
-      <p:transition spd="slow">
-        <p:fade/>
-      </p:transition>
-    </mc:Fallback>
-  </mc:AlternateContent>
 </p:sld>
 </file>
 
